--- a/은아/수도권_1분과_해커톤_솔루션 소개자료.ppt.pptx
+++ b/은아/수도권_1분과_해커톤_솔루션 소개자료.ppt.pptx
@@ -24,10 +24,9 @@
     <p:sldId id="277" r:id="rId18"/>
     <p:sldId id="278" r:id="rId19"/>
     <p:sldId id="284" r:id="rId20"/>
-    <p:sldId id="285" r:id="rId21"/>
-    <p:sldId id="286" r:id="rId22"/>
-    <p:sldId id="280" r:id="rId23"/>
-    <p:sldId id="271" r:id="rId24"/>
+    <p:sldId id="286" r:id="rId21"/>
+    <p:sldId id="280" r:id="rId22"/>
+    <p:sldId id="271" r:id="rId23"/>
   </p:sldIdLst>
   <p:sldSz cx="12192000" cy="6858000"/>
   <p:notesSz cx="6858000" cy="9144000"/>
@@ -292,7 +291,7 @@
           <a:p>
             <a:fld id="{C4C536E3-4E16-4D7B-AC6B-947826917CC6}" type="datetimeFigureOut">
               <a:rPr lang="ko-KR" altLang="en-US" smtClean="0"/>
-              <a:t>2023-07-05</a:t>
+              <a:t>2023-07-06</a:t>
             </a:fld>
             <a:endParaRPr lang="ko-KR" altLang="en-US"/>
           </a:p>
@@ -490,7 +489,7 @@
           <a:p>
             <a:fld id="{C4C536E3-4E16-4D7B-AC6B-947826917CC6}" type="datetimeFigureOut">
               <a:rPr lang="ko-KR" altLang="en-US" smtClean="0"/>
-              <a:t>2023-07-05</a:t>
+              <a:t>2023-07-06</a:t>
             </a:fld>
             <a:endParaRPr lang="ko-KR" altLang="en-US"/>
           </a:p>
@@ -698,7 +697,7 @@
           <a:p>
             <a:fld id="{C4C536E3-4E16-4D7B-AC6B-947826917CC6}" type="datetimeFigureOut">
               <a:rPr lang="ko-KR" altLang="en-US" smtClean="0"/>
-              <a:t>2023-07-05</a:t>
+              <a:t>2023-07-06</a:t>
             </a:fld>
             <a:endParaRPr lang="ko-KR" altLang="en-US"/>
           </a:p>
@@ -896,7 +895,7 @@
           <a:p>
             <a:fld id="{C4C536E3-4E16-4D7B-AC6B-947826917CC6}" type="datetimeFigureOut">
               <a:rPr lang="ko-KR" altLang="en-US" smtClean="0"/>
-              <a:t>2023-07-05</a:t>
+              <a:t>2023-07-06</a:t>
             </a:fld>
             <a:endParaRPr lang="ko-KR" altLang="en-US"/>
           </a:p>
@@ -1171,7 +1170,7 @@
           <a:p>
             <a:fld id="{C4C536E3-4E16-4D7B-AC6B-947826917CC6}" type="datetimeFigureOut">
               <a:rPr lang="ko-KR" altLang="en-US" smtClean="0"/>
-              <a:t>2023-07-05</a:t>
+              <a:t>2023-07-06</a:t>
             </a:fld>
             <a:endParaRPr lang="ko-KR" altLang="en-US"/>
           </a:p>
@@ -1436,7 +1435,7 @@
           <a:p>
             <a:fld id="{C4C536E3-4E16-4D7B-AC6B-947826917CC6}" type="datetimeFigureOut">
               <a:rPr lang="ko-KR" altLang="en-US" smtClean="0"/>
-              <a:t>2023-07-05</a:t>
+              <a:t>2023-07-06</a:t>
             </a:fld>
             <a:endParaRPr lang="ko-KR" altLang="en-US"/>
           </a:p>
@@ -1848,7 +1847,7 @@
           <a:p>
             <a:fld id="{C4C536E3-4E16-4D7B-AC6B-947826917CC6}" type="datetimeFigureOut">
               <a:rPr lang="ko-KR" altLang="en-US" smtClean="0"/>
-              <a:t>2023-07-05</a:t>
+              <a:t>2023-07-06</a:t>
             </a:fld>
             <a:endParaRPr lang="ko-KR" altLang="en-US"/>
           </a:p>
@@ -1989,7 +1988,7 @@
           <a:p>
             <a:fld id="{C4C536E3-4E16-4D7B-AC6B-947826917CC6}" type="datetimeFigureOut">
               <a:rPr lang="ko-KR" altLang="en-US" smtClean="0"/>
-              <a:t>2023-07-05</a:t>
+              <a:t>2023-07-06</a:t>
             </a:fld>
             <a:endParaRPr lang="ko-KR" altLang="en-US"/>
           </a:p>
@@ -2102,7 +2101,7 @@
           <a:p>
             <a:fld id="{C4C536E3-4E16-4D7B-AC6B-947826917CC6}" type="datetimeFigureOut">
               <a:rPr lang="ko-KR" altLang="en-US" smtClean="0"/>
-              <a:t>2023-07-05</a:t>
+              <a:t>2023-07-06</a:t>
             </a:fld>
             <a:endParaRPr lang="ko-KR" altLang="en-US"/>
           </a:p>
@@ -2413,7 +2412,7 @@
           <a:p>
             <a:fld id="{C4C536E3-4E16-4D7B-AC6B-947826917CC6}" type="datetimeFigureOut">
               <a:rPr lang="ko-KR" altLang="en-US" smtClean="0"/>
-              <a:t>2023-07-05</a:t>
+              <a:t>2023-07-06</a:t>
             </a:fld>
             <a:endParaRPr lang="ko-KR" altLang="en-US"/>
           </a:p>
@@ -2701,7 +2700,7 @@
           <a:p>
             <a:fld id="{C4C536E3-4E16-4D7B-AC6B-947826917CC6}" type="datetimeFigureOut">
               <a:rPr lang="ko-KR" altLang="en-US" smtClean="0"/>
-              <a:t>2023-07-05</a:t>
+              <a:t>2023-07-06</a:t>
             </a:fld>
             <a:endParaRPr lang="ko-KR" altLang="en-US"/>
           </a:p>
@@ -2942,7 +2941,7 @@
           <a:p>
             <a:fld id="{C4C536E3-4E16-4D7B-AC6B-947826917CC6}" type="datetimeFigureOut">
               <a:rPr lang="ko-KR" altLang="en-US" smtClean="0"/>
-              <a:t>2023-07-05</a:t>
+              <a:t>2023-07-06</a:t>
             </a:fld>
             <a:endParaRPr lang="ko-KR" altLang="en-US"/>
           </a:p>
@@ -18693,10 +18692,10 @@
         </p:nvGrpSpPr>
         <p:grpSpPr>
           <a:xfrm>
-            <a:off x="5186613" y="1489350"/>
-            <a:ext cx="5910749" cy="5449037"/>
-            <a:chOff x="5186613" y="1408963"/>
-            <a:chExt cx="5910749" cy="5449037"/>
+            <a:off x="5186613" y="3428764"/>
+            <a:ext cx="2314638" cy="3509623"/>
+            <a:chOff x="5186613" y="3348377"/>
+            <a:chExt cx="2314638" cy="3509623"/>
           </a:xfrm>
         </p:grpSpPr>
         <p:grpSp>
@@ -18920,421 +18919,6 @@
         </p:grpSp>
         <p:grpSp>
           <p:nvGrpSpPr>
-            <p:cNvPr id="108" name="그룹 107">
-              <a:extLst>
-                <a:ext uri="{FF2B5EF4-FFF2-40B4-BE49-F238E27FC236}">
-                  <a16:creationId xmlns:a16="http://schemas.microsoft.com/office/drawing/2014/main" id="{5D7DF060-D13A-C380-8075-1000955D218F}"/>
-                </a:ext>
-              </a:extLst>
-            </p:cNvPr>
-            <p:cNvGrpSpPr/>
-            <p:nvPr/>
-          </p:nvGrpSpPr>
-          <p:grpSpPr>
-            <a:xfrm>
-              <a:off x="6826500" y="1408963"/>
-              <a:ext cx="4270862" cy="2077801"/>
-              <a:chOff x="6826499" y="1701991"/>
-              <a:chExt cx="4270862" cy="2077801"/>
-            </a:xfrm>
-          </p:grpSpPr>
-          <p:grpSp>
-            <p:nvGrpSpPr>
-              <p:cNvPr id="82" name="그룹 81">
-                <a:extLst>
-                  <a:ext uri="{FF2B5EF4-FFF2-40B4-BE49-F238E27FC236}">
-                    <a16:creationId xmlns:a16="http://schemas.microsoft.com/office/drawing/2014/main" id="{4FD278FF-0080-87B3-7F2B-37366EB772DE}"/>
-                  </a:ext>
-                </a:extLst>
-              </p:cNvPr>
-              <p:cNvGrpSpPr/>
-              <p:nvPr/>
-            </p:nvGrpSpPr>
-            <p:grpSpPr>
-              <a:xfrm>
-                <a:off x="7208998" y="2672061"/>
-                <a:ext cx="2351314" cy="369332"/>
-                <a:chOff x="6983604" y="3429000"/>
-                <a:chExt cx="1446963" cy="291402"/>
-              </a:xfrm>
-            </p:grpSpPr>
-            <p:cxnSp>
-              <p:nvCxnSpPr>
-                <p:cNvPr id="83" name="직선 화살표 연결선 82">
-                  <a:extLst>
-                    <a:ext uri="{FF2B5EF4-FFF2-40B4-BE49-F238E27FC236}">
-                      <a16:creationId xmlns:a16="http://schemas.microsoft.com/office/drawing/2014/main" id="{7A0EE2D9-2ABA-106E-9F52-3AF2853837EB}"/>
-                    </a:ext>
-                  </a:extLst>
-                </p:cNvPr>
-                <p:cNvCxnSpPr/>
-                <p:nvPr/>
-              </p:nvCxnSpPr>
-              <p:spPr>
-                <a:xfrm>
-                  <a:off x="6983604" y="3429000"/>
-                  <a:ext cx="1446963" cy="0"/>
-                </a:xfrm>
-                <a:prstGeom prst="straightConnector1">
-                  <a:avLst/>
-                </a:prstGeom>
-                <a:ln w="28575">
-                  <a:solidFill>
-                    <a:schemeClr val="tx1"/>
-                  </a:solidFill>
-                  <a:tailEnd type="triangle"/>
-                </a:ln>
-              </p:spPr>
-              <p:style>
-                <a:lnRef idx="1">
-                  <a:schemeClr val="accent1"/>
-                </a:lnRef>
-                <a:fillRef idx="0">
-                  <a:schemeClr val="accent1"/>
-                </a:fillRef>
-                <a:effectRef idx="0">
-                  <a:schemeClr val="accent1"/>
-                </a:effectRef>
-                <a:fontRef idx="minor">
-                  <a:schemeClr val="tx1"/>
-                </a:fontRef>
-              </p:style>
-            </p:cxnSp>
-            <p:cxnSp>
-              <p:nvCxnSpPr>
-                <p:cNvPr id="84" name="직선 화살표 연결선 83">
-                  <a:extLst>
-                    <a:ext uri="{FF2B5EF4-FFF2-40B4-BE49-F238E27FC236}">
-                      <a16:creationId xmlns:a16="http://schemas.microsoft.com/office/drawing/2014/main" id="{25097C97-4575-4DDE-D38D-DEE3DE5DD5F6}"/>
-                    </a:ext>
-                  </a:extLst>
-                </p:cNvPr>
-                <p:cNvCxnSpPr>
-                  <a:cxnSpLocks/>
-                </p:cNvCxnSpPr>
-                <p:nvPr/>
-              </p:nvCxnSpPr>
-              <p:spPr>
-                <a:xfrm flipH="1">
-                  <a:off x="6983604" y="3720402"/>
-                  <a:ext cx="1446963" cy="0"/>
-                </a:xfrm>
-                <a:prstGeom prst="straightConnector1">
-                  <a:avLst/>
-                </a:prstGeom>
-                <a:ln w="28575">
-                  <a:solidFill>
-                    <a:schemeClr val="tx1"/>
-                  </a:solidFill>
-                  <a:tailEnd type="triangle"/>
-                </a:ln>
-              </p:spPr>
-              <p:style>
-                <a:lnRef idx="1">
-                  <a:schemeClr val="accent1"/>
-                </a:lnRef>
-                <a:fillRef idx="0">
-                  <a:schemeClr val="accent1"/>
-                </a:fillRef>
-                <a:effectRef idx="0">
-                  <a:schemeClr val="accent1"/>
-                </a:effectRef>
-                <a:fontRef idx="minor">
-                  <a:schemeClr val="tx1"/>
-                </a:fontRef>
-              </p:style>
-            </p:cxnSp>
-          </p:grpSp>
-          <p:grpSp>
-            <p:nvGrpSpPr>
-              <p:cNvPr id="90" name="그룹 89">
-                <a:extLst>
-                  <a:ext uri="{FF2B5EF4-FFF2-40B4-BE49-F238E27FC236}">
-                    <a16:creationId xmlns:a16="http://schemas.microsoft.com/office/drawing/2014/main" id="{5CF6F45E-D4B9-8ACF-B90D-74533BAADF70}"/>
-                  </a:ext>
-                </a:extLst>
-              </p:cNvPr>
-              <p:cNvGrpSpPr/>
-              <p:nvPr/>
-            </p:nvGrpSpPr>
-            <p:grpSpPr>
-              <a:xfrm>
-                <a:off x="9801362" y="3384192"/>
-                <a:ext cx="1295999" cy="395600"/>
-                <a:chOff x="13536489" y="1756317"/>
-                <a:chExt cx="2448272" cy="553998"/>
-              </a:xfrm>
-            </p:grpSpPr>
-            <p:sp>
-              <p:nvSpPr>
-                <p:cNvPr id="91" name="직사각형 90">
-                  <a:extLst>
-                    <a:ext uri="{FF2B5EF4-FFF2-40B4-BE49-F238E27FC236}">
-                      <a16:creationId xmlns:a16="http://schemas.microsoft.com/office/drawing/2014/main" id="{200F3393-37AB-4385-8CC5-CE8456B45AD7}"/>
-                    </a:ext>
-                  </a:extLst>
-                </p:cNvPr>
-                <p:cNvSpPr/>
-                <p:nvPr/>
-              </p:nvSpPr>
-              <p:spPr>
-                <a:xfrm>
-                  <a:off x="13536489" y="1756317"/>
-                  <a:ext cx="2448272" cy="553998"/>
-                </a:xfrm>
-                <a:prstGeom prst="rect">
-                  <a:avLst/>
-                </a:prstGeom>
-                <a:solidFill>
-                  <a:srgbClr val="FFD87B"/>
-                </a:solidFill>
-                <a:ln>
-                  <a:noFill/>
-                </a:ln>
-              </p:spPr>
-              <p:style>
-                <a:lnRef idx="2">
-                  <a:schemeClr val="accent1">
-                    <a:shade val="15000"/>
-                  </a:schemeClr>
-                </a:lnRef>
-                <a:fillRef idx="1">
-                  <a:schemeClr val="accent1"/>
-                </a:fillRef>
-                <a:effectRef idx="0">
-                  <a:schemeClr val="accent1"/>
-                </a:effectRef>
-                <a:fontRef idx="minor">
-                  <a:schemeClr val="lt1"/>
-                </a:fontRef>
-              </p:style>
-              <p:txBody>
-                <a:bodyPr rtlCol="0" anchor="ctr"/>
-                <a:lstStyle/>
-                <a:p>
-                  <a:pPr algn="ctr"/>
-                  <a:endParaRPr lang="ko-KR" altLang="en-US" dirty="0"/>
-                </a:p>
-              </p:txBody>
-            </p:sp>
-            <p:sp>
-              <p:nvSpPr>
-                <p:cNvPr id="92" name="TextBox 91">
-                  <a:extLst>
-                    <a:ext uri="{FF2B5EF4-FFF2-40B4-BE49-F238E27FC236}">
-                      <a16:creationId xmlns:a16="http://schemas.microsoft.com/office/drawing/2014/main" id="{46293140-8677-261F-B440-0586EB9DC989}"/>
-                    </a:ext>
-                  </a:extLst>
-                </p:cNvPr>
-                <p:cNvSpPr txBox="1"/>
-                <p:nvPr/>
-              </p:nvSpPr>
-              <p:spPr>
-                <a:xfrm>
-                  <a:off x="13841377" y="1781618"/>
-                  <a:ext cx="1838495" cy="517212"/>
-                </a:xfrm>
-                <a:prstGeom prst="rect">
-                  <a:avLst/>
-                </a:prstGeom>
-                <a:noFill/>
-              </p:spPr>
-              <p:txBody>
-                <a:bodyPr wrap="square" rtlCol="0">
-                  <a:spAutoFit/>
-                </a:bodyPr>
-                <a:lstStyle/>
-                <a:p>
-                  <a:pPr algn="ctr"/>
-                  <a:r>
-                    <a:rPr lang="ko-KR" altLang="en-US" dirty="0">
-                      <a:latin typeface="G마켓 산스 Medium" panose="02000000000000000000" pitchFamily="50" charset="-127"/>
-                      <a:ea typeface="G마켓 산스 Medium" panose="02000000000000000000" pitchFamily="50" charset="-127"/>
-                    </a:rPr>
-                    <a:t>개인</a:t>
-                  </a:r>
-                </a:p>
-              </p:txBody>
-            </p:sp>
-          </p:grpSp>
-          <p:grpSp>
-            <p:nvGrpSpPr>
-              <p:cNvPr id="93" name="그룹 1012">
-                <a:extLst>
-                  <a:ext uri="{FF2B5EF4-FFF2-40B4-BE49-F238E27FC236}">
-                    <a16:creationId xmlns:a16="http://schemas.microsoft.com/office/drawing/2014/main" id="{D2479270-067D-D45C-23BD-D793813B8FB4}"/>
-                  </a:ext>
-                </a:extLst>
-              </p:cNvPr>
-              <p:cNvGrpSpPr/>
-              <p:nvPr/>
-            </p:nvGrpSpPr>
-            <p:grpSpPr>
-              <a:xfrm>
-                <a:off x="10237733" y="1701991"/>
-                <a:ext cx="423256" cy="1560391"/>
-                <a:chOff x="10515220" y="1003787"/>
-                <a:chExt cx="761886" cy="2808796"/>
-              </a:xfrm>
-            </p:grpSpPr>
-            <p:pic>
-              <p:nvPicPr>
-                <p:cNvPr id="94" name="Object 35">
-                  <a:extLst>
-                    <a:ext uri="{FF2B5EF4-FFF2-40B4-BE49-F238E27FC236}">
-                      <a16:creationId xmlns:a16="http://schemas.microsoft.com/office/drawing/2014/main" id="{6D162708-4B5C-3237-2F09-6ADDE457B451}"/>
-                    </a:ext>
-                  </a:extLst>
-                </p:cNvPr>
-                <p:cNvPicPr>
-                  <a:picLocks noChangeAspect="1"/>
-                </p:cNvPicPr>
-                <p:nvPr/>
-              </p:nvPicPr>
-              <p:blipFill>
-                <a:blip r:embed="rId2" cstate="print"/>
-                <a:stretch>
-                  <a:fillRect/>
-                </a:stretch>
-              </p:blipFill>
-              <p:spPr>
-                <a:xfrm>
-                  <a:off x="10515220" y="1003787"/>
-                  <a:ext cx="761886" cy="2808796"/>
-                </a:xfrm>
-                <a:prstGeom prst="rect">
-                  <a:avLst/>
-                </a:prstGeom>
-              </p:spPr>
-            </p:pic>
-          </p:grpSp>
-          <p:sp>
-            <p:nvSpPr>
-              <p:cNvPr id="97" name="TextBox 96">
-                <a:extLst>
-                  <a:ext uri="{FF2B5EF4-FFF2-40B4-BE49-F238E27FC236}">
-                    <a16:creationId xmlns:a16="http://schemas.microsoft.com/office/drawing/2014/main" id="{35EF4CCC-887F-D99A-EA24-6A8F9BC2F688}"/>
-                  </a:ext>
-                </a:extLst>
-              </p:cNvPr>
-              <p:cNvSpPr txBox="1"/>
-              <p:nvPr/>
-            </p:nvSpPr>
-            <p:spPr>
-              <a:xfrm>
-                <a:off x="6831599" y="3166098"/>
-                <a:ext cx="3106112" cy="307777"/>
-              </a:xfrm>
-              <a:prstGeom prst="rect">
-                <a:avLst/>
-              </a:prstGeom>
-              <a:noFill/>
-            </p:spPr>
-            <p:txBody>
-              <a:bodyPr wrap="square" rtlCol="0">
-                <a:spAutoFit/>
-              </a:bodyPr>
-              <a:lstStyle/>
-              <a:p>
-                <a:pPr algn="ctr"/>
-                <a:r>
-                  <a:rPr lang="en-US" altLang="ko-KR" sz="1400" dirty="0">
-                    <a:latin typeface="G마켓 산스 Light" panose="02000000000000000000" pitchFamily="50" charset="-127"/>
-                    <a:ea typeface="G마켓 산스 Light" panose="02000000000000000000" pitchFamily="50" charset="-127"/>
-                  </a:rPr>
-                  <a:t>VR </a:t>
-                </a:r>
-                <a:r>
-                  <a:rPr lang="ko-KR" altLang="en-US" sz="1400" dirty="0">
-                    <a:latin typeface="G마켓 산스 Light" panose="02000000000000000000" pitchFamily="50" charset="-127"/>
-                    <a:ea typeface="G마켓 산스 Light" panose="02000000000000000000" pitchFamily="50" charset="-127"/>
-                  </a:rPr>
-                  <a:t>메타버스 구매</a:t>
-                </a:r>
-              </a:p>
-            </p:txBody>
-          </p:sp>
-          <p:sp>
-            <p:nvSpPr>
-              <p:cNvPr id="98" name="TextBox 97">
-                <a:extLst>
-                  <a:ext uri="{FF2B5EF4-FFF2-40B4-BE49-F238E27FC236}">
-                    <a16:creationId xmlns:a16="http://schemas.microsoft.com/office/drawing/2014/main" id="{9C7ED4FF-CA0E-21EC-AFC8-40F714779190}"/>
-                  </a:ext>
-                </a:extLst>
-              </p:cNvPr>
-              <p:cNvSpPr txBox="1"/>
-              <p:nvPr/>
-            </p:nvSpPr>
-            <p:spPr>
-              <a:xfrm>
-                <a:off x="6826499" y="2086321"/>
-                <a:ext cx="3106112" cy="523220"/>
-              </a:xfrm>
-              <a:prstGeom prst="rect">
-                <a:avLst/>
-              </a:prstGeom>
-              <a:noFill/>
-            </p:spPr>
-            <p:txBody>
-              <a:bodyPr wrap="square" rtlCol="0">
-                <a:spAutoFit/>
-              </a:bodyPr>
-              <a:lstStyle/>
-              <a:p>
-                <a:pPr algn="ctr"/>
-                <a:r>
-                  <a:rPr lang="ko-KR" altLang="en-US" sz="1400" dirty="0">
-                    <a:latin typeface="G마켓 산스 Light" panose="02000000000000000000" pitchFamily="50" charset="-127"/>
-                    <a:ea typeface="G마켓 산스 Light" panose="02000000000000000000" pitchFamily="50" charset="-127"/>
-                  </a:rPr>
-                  <a:t>재난 </a:t>
-                </a:r>
-                <a:r>
-                  <a:rPr lang="en-US" altLang="ko-KR" sz="1400" dirty="0">
-                    <a:latin typeface="G마켓 산스 Light" panose="02000000000000000000" pitchFamily="50" charset="-127"/>
-                    <a:ea typeface="G마켓 산스 Light" panose="02000000000000000000" pitchFamily="50" charset="-127"/>
-                  </a:rPr>
-                  <a:t>/ </a:t>
-                </a:r>
-                <a:r>
-                  <a:rPr lang="ko-KR" altLang="en-US" sz="1400" dirty="0">
-                    <a:latin typeface="G마켓 산스 Light" panose="02000000000000000000" pitchFamily="50" charset="-127"/>
-                    <a:ea typeface="G마켓 산스 Light" panose="02000000000000000000" pitchFamily="50" charset="-127"/>
-                  </a:rPr>
-                  <a:t>위급 상황 </a:t>
-                </a:r>
-                <a:endParaRPr lang="en-US" altLang="ko-KR" sz="1400" dirty="0">
-                  <a:latin typeface="G마켓 산스 Light" panose="02000000000000000000" pitchFamily="50" charset="-127"/>
-                  <a:ea typeface="G마켓 산스 Light" panose="02000000000000000000" pitchFamily="50" charset="-127"/>
-                </a:endParaRPr>
-              </a:p>
-              <a:p>
-                <a:pPr algn="ctr"/>
-                <a:r>
-                  <a:rPr lang="en-US" altLang="ko-KR" sz="1400" dirty="0">
-                    <a:latin typeface="G마켓 산스 Light" panose="02000000000000000000" pitchFamily="50" charset="-127"/>
-                    <a:ea typeface="G마켓 산스 Light" panose="02000000000000000000" pitchFamily="50" charset="-127"/>
-                  </a:rPr>
-                  <a:t>VR </a:t>
-                </a:r>
-                <a:r>
-                  <a:rPr lang="ko-KR" altLang="en-US" sz="1400" dirty="0">
-                    <a:latin typeface="G마켓 산스 Light" panose="02000000000000000000" pitchFamily="50" charset="-127"/>
-                    <a:ea typeface="G마켓 산스 Light" panose="02000000000000000000" pitchFamily="50" charset="-127"/>
-                  </a:rPr>
-                  <a:t>메타버스 제공</a:t>
-                </a:r>
-                <a:endParaRPr lang="en-US" altLang="ko-KR" sz="1400" dirty="0">
-                  <a:latin typeface="G마켓 산스 Light" panose="02000000000000000000" pitchFamily="50" charset="-127"/>
-                  <a:ea typeface="G마켓 산스 Light" panose="02000000000000000000" pitchFamily="50" charset="-127"/>
-                </a:endParaRPr>
-              </a:p>
-            </p:txBody>
-          </p:sp>
-        </p:grpSp>
-        <p:grpSp>
-          <p:nvGrpSpPr>
             <p:cNvPr id="105" name="그룹 1014">
               <a:extLst>
                 <a:ext uri="{FF2B5EF4-FFF2-40B4-BE49-F238E27FC236}">
@@ -19368,7 +18952,7 @@
               <p:nvPr/>
             </p:nvPicPr>
             <p:blipFill>
-              <a:blip r:embed="rId3" cstate="print"/>
+              <a:blip r:embed="rId2" cstate="print"/>
               <a:stretch>
                 <a:fillRect/>
               </a:stretch>
@@ -19505,7 +19089,7 @@
         </p:nvSpPr>
         <p:spPr>
           <a:xfrm>
-            <a:off x="0" y="0"/>
+            <a:off x="0" y="4584"/>
             <a:ext cx="12192000" cy="6876288"/>
           </a:xfrm>
           <a:prstGeom prst="rect">
@@ -19739,7 +19323,7 @@
           <p:nvPr/>
         </p:nvPicPr>
         <p:blipFill>
-          <a:blip r:embed="rId4" cstate="print"/>
+          <a:blip r:embed="rId3" cstate="print"/>
           <a:stretch>
             <a:fillRect/>
           </a:stretch>
@@ -20080,6 +19664,537 @@
               </a:solidFill>
               <a:latin typeface="G마켓 산스 Medium" panose="02000000000000000000" pitchFamily="50" charset="-127"/>
               <a:ea typeface="G마켓 산스 Medium" panose="02000000000000000000" pitchFamily="50" charset="-127"/>
+            </a:endParaRPr>
+          </a:p>
+        </p:txBody>
+      </p:sp>
+      <p:cxnSp>
+        <p:nvCxnSpPr>
+          <p:cNvPr id="15" name="연결선: 구부러짐 14">
+            <a:extLst>
+              <a:ext uri="{FF2B5EF4-FFF2-40B4-BE49-F238E27FC236}">
+                <a16:creationId xmlns:a16="http://schemas.microsoft.com/office/drawing/2014/main" id="{E2E6C6A3-FB2A-4BB0-0708-A7A3E0DA3461}"/>
+              </a:ext>
+            </a:extLst>
+          </p:cNvPr>
+          <p:cNvCxnSpPr/>
+          <p:nvPr/>
+        </p:nvCxnSpPr>
+        <p:spPr>
+          <a:xfrm>
+            <a:off x="1263679" y="3558950"/>
+            <a:ext cx="597262" cy="456778"/>
+          </a:xfrm>
+          <a:prstGeom prst="curvedConnector3">
+            <a:avLst>
+              <a:gd name="adj1" fmla="val 31253"/>
+            </a:avLst>
+          </a:prstGeom>
+          <a:ln w="28575">
+            <a:solidFill>
+              <a:srgbClr val="FFD87B"/>
+            </a:solidFill>
+            <a:tailEnd type="triangle"/>
+          </a:ln>
+        </p:spPr>
+        <p:style>
+          <a:lnRef idx="1">
+            <a:schemeClr val="accent1"/>
+          </a:lnRef>
+          <a:fillRef idx="0">
+            <a:schemeClr val="accent1"/>
+          </a:fillRef>
+          <a:effectRef idx="0">
+            <a:schemeClr val="accent1"/>
+          </a:effectRef>
+          <a:fontRef idx="minor">
+            <a:schemeClr val="tx1"/>
+          </a:fontRef>
+        </p:style>
+      </p:cxnSp>
+      <p:sp>
+        <p:nvSpPr>
+          <p:cNvPr id="18" name="TextBox 17">
+            <a:extLst>
+              <a:ext uri="{FF2B5EF4-FFF2-40B4-BE49-F238E27FC236}">
+                <a16:creationId xmlns:a16="http://schemas.microsoft.com/office/drawing/2014/main" id="{DB0C9A7C-4BE1-EE33-C4CA-A12526B23ACF}"/>
+              </a:ext>
+            </a:extLst>
+          </p:cNvPr>
+          <p:cNvSpPr txBox="1"/>
+          <p:nvPr/>
+        </p:nvSpPr>
+        <p:spPr>
+          <a:xfrm>
+            <a:off x="2012416" y="3946188"/>
+            <a:ext cx="1486562" cy="1384995"/>
+          </a:xfrm>
+          <a:prstGeom prst="rect">
+            <a:avLst/>
+          </a:prstGeom>
+          <a:noFill/>
+        </p:spPr>
+        <p:txBody>
+          <a:bodyPr wrap="square" rtlCol="0">
+            <a:spAutoFit/>
+          </a:bodyPr>
+          <a:lstStyle/>
+          <a:p>
+            <a:r>
+              <a:rPr lang="en-US" altLang="ko-KR" sz="1400" dirty="0">
+                <a:solidFill>
+                  <a:schemeClr val="bg1"/>
+                </a:solidFill>
+                <a:latin typeface="G마켓 산스 Light" panose="02000000000000000000" pitchFamily="50" charset="-127"/>
+                <a:ea typeface="G마켓 산스 Light" panose="02000000000000000000" pitchFamily="50" charset="-127"/>
+              </a:rPr>
+              <a:t>Ex.</a:t>
+            </a:r>
+          </a:p>
+          <a:p>
+            <a:r>
+              <a:rPr lang="ko-KR" altLang="en-US" sz="1400" dirty="0">
+                <a:solidFill>
+                  <a:schemeClr val="bg1"/>
+                </a:solidFill>
+                <a:latin typeface="G마켓 산스 Light" panose="02000000000000000000" pitchFamily="50" charset="-127"/>
+                <a:ea typeface="G마켓 산스 Light" panose="02000000000000000000" pitchFamily="50" charset="-127"/>
+              </a:rPr>
+              <a:t>재난안전교육원</a:t>
+            </a:r>
+            <a:endParaRPr lang="en-US" altLang="ko-KR" sz="1400" dirty="0">
+              <a:solidFill>
+                <a:schemeClr val="bg1"/>
+              </a:solidFill>
+              <a:latin typeface="G마켓 산스 Light" panose="02000000000000000000" pitchFamily="50" charset="-127"/>
+              <a:ea typeface="G마켓 산스 Light" panose="02000000000000000000" pitchFamily="50" charset="-127"/>
+            </a:endParaRPr>
+          </a:p>
+          <a:p>
+            <a:r>
+              <a:rPr lang="ko-KR" altLang="en-US" sz="1400" dirty="0">
+                <a:solidFill>
+                  <a:schemeClr val="bg1"/>
+                </a:solidFill>
+                <a:latin typeface="G마켓 산스 Light" panose="02000000000000000000" pitchFamily="50" charset="-127"/>
+                <a:ea typeface="G마켓 산스 Light" panose="02000000000000000000" pitchFamily="50" charset="-127"/>
+              </a:rPr>
+              <a:t>안전체험관</a:t>
+            </a:r>
+            <a:endParaRPr lang="en-US" altLang="ko-KR" sz="1400" dirty="0">
+              <a:solidFill>
+                <a:schemeClr val="bg1"/>
+              </a:solidFill>
+              <a:latin typeface="G마켓 산스 Light" panose="02000000000000000000" pitchFamily="50" charset="-127"/>
+              <a:ea typeface="G마켓 산스 Light" panose="02000000000000000000" pitchFamily="50" charset="-127"/>
+            </a:endParaRPr>
+          </a:p>
+          <a:p>
+            <a:r>
+              <a:rPr lang="ko-KR" altLang="en-US" sz="1400" dirty="0">
+                <a:solidFill>
+                  <a:schemeClr val="bg1"/>
+                </a:solidFill>
+                <a:latin typeface="G마켓 산스 Light" panose="02000000000000000000" pitchFamily="50" charset="-127"/>
+                <a:ea typeface="G마켓 산스 Light" panose="02000000000000000000" pitchFamily="50" charset="-127"/>
+              </a:rPr>
+              <a:t>학교</a:t>
+            </a:r>
+            <a:endParaRPr lang="en-US" altLang="ko-KR" sz="1400" dirty="0">
+              <a:solidFill>
+                <a:schemeClr val="bg1"/>
+              </a:solidFill>
+              <a:latin typeface="G마켓 산스 Light" panose="02000000000000000000" pitchFamily="50" charset="-127"/>
+              <a:ea typeface="G마켓 산스 Light" panose="02000000000000000000" pitchFamily="50" charset="-127"/>
+            </a:endParaRPr>
+          </a:p>
+          <a:p>
+            <a:r>
+              <a:rPr lang="ko-KR" altLang="en-US" sz="1400" dirty="0">
+                <a:solidFill>
+                  <a:schemeClr val="bg1"/>
+                </a:solidFill>
+                <a:latin typeface="G마켓 산스 Light" panose="02000000000000000000" pitchFamily="50" charset="-127"/>
+                <a:ea typeface="G마켓 산스 Light" panose="02000000000000000000" pitchFamily="50" charset="-127"/>
+              </a:rPr>
+              <a:t>행정부</a:t>
+            </a:r>
+            <a:endParaRPr lang="en-US" altLang="ko-KR" sz="1400" dirty="0">
+              <a:solidFill>
+                <a:schemeClr val="bg1"/>
+              </a:solidFill>
+              <a:latin typeface="G마켓 산스 Light" panose="02000000000000000000" pitchFamily="50" charset="-127"/>
+              <a:ea typeface="G마켓 산스 Light" panose="02000000000000000000" pitchFamily="50" charset="-127"/>
+            </a:endParaRPr>
+          </a:p>
+          <a:p>
+            <a:r>
+              <a:rPr lang="ko-KR" altLang="en-US" sz="1400" dirty="0">
+                <a:solidFill>
+                  <a:schemeClr val="bg1"/>
+                </a:solidFill>
+                <a:latin typeface="G마켓 산스 Light" panose="02000000000000000000" pitchFamily="50" charset="-127"/>
+                <a:ea typeface="G마켓 산스 Light" panose="02000000000000000000" pitchFamily="50" charset="-127"/>
+              </a:rPr>
+              <a:t>교육청</a:t>
+            </a:r>
+          </a:p>
+        </p:txBody>
+      </p:sp>
+      <p:cxnSp>
+        <p:nvCxnSpPr>
+          <p:cNvPr id="19" name="직선 화살표 연결선 18">
+            <a:extLst>
+              <a:ext uri="{FF2B5EF4-FFF2-40B4-BE49-F238E27FC236}">
+                <a16:creationId xmlns:a16="http://schemas.microsoft.com/office/drawing/2014/main" id="{D0BF230B-7769-0D15-D278-21B35432B6CF}"/>
+              </a:ext>
+            </a:extLst>
+          </p:cNvPr>
+          <p:cNvCxnSpPr/>
+          <p:nvPr/>
+        </p:nvCxnSpPr>
+        <p:spPr>
+          <a:xfrm>
+            <a:off x="7208999" y="2459420"/>
+            <a:ext cx="2351314" cy="0"/>
+          </a:xfrm>
+          <a:prstGeom prst="straightConnector1">
+            <a:avLst/>
+          </a:prstGeom>
+          <a:ln w="28575">
+            <a:solidFill>
+              <a:srgbClr val="FFD87B"/>
+            </a:solidFill>
+            <a:tailEnd type="triangle"/>
+          </a:ln>
+        </p:spPr>
+        <p:style>
+          <a:lnRef idx="1">
+            <a:schemeClr val="accent1"/>
+          </a:lnRef>
+          <a:fillRef idx="0">
+            <a:schemeClr val="accent1"/>
+          </a:fillRef>
+          <a:effectRef idx="0">
+            <a:schemeClr val="accent1"/>
+          </a:effectRef>
+          <a:fontRef idx="minor">
+            <a:schemeClr val="tx1"/>
+          </a:fontRef>
+        </p:style>
+      </p:cxnSp>
+      <p:cxnSp>
+        <p:nvCxnSpPr>
+          <p:cNvPr id="20" name="직선 화살표 연결선 19">
+            <a:extLst>
+              <a:ext uri="{FF2B5EF4-FFF2-40B4-BE49-F238E27FC236}">
+                <a16:creationId xmlns:a16="http://schemas.microsoft.com/office/drawing/2014/main" id="{FC1F4571-F2E8-F028-EFBB-9EA5511BE4A0}"/>
+              </a:ext>
+            </a:extLst>
+          </p:cNvPr>
+          <p:cNvCxnSpPr>
+            <a:cxnSpLocks/>
+          </p:cNvCxnSpPr>
+          <p:nvPr/>
+        </p:nvCxnSpPr>
+        <p:spPr>
+          <a:xfrm flipH="1">
+            <a:off x="7208999" y="2828752"/>
+            <a:ext cx="2351314" cy="0"/>
+          </a:xfrm>
+          <a:prstGeom prst="straightConnector1">
+            <a:avLst/>
+          </a:prstGeom>
+          <a:ln w="28575">
+            <a:solidFill>
+              <a:srgbClr val="FFD87B"/>
+            </a:solidFill>
+            <a:tailEnd type="triangle"/>
+          </a:ln>
+        </p:spPr>
+        <p:style>
+          <a:lnRef idx="1">
+            <a:schemeClr val="accent1"/>
+          </a:lnRef>
+          <a:fillRef idx="0">
+            <a:schemeClr val="accent1"/>
+          </a:fillRef>
+          <a:effectRef idx="0">
+            <a:schemeClr val="accent1"/>
+          </a:effectRef>
+          <a:fontRef idx="minor">
+            <a:schemeClr val="tx1"/>
+          </a:fontRef>
+        </p:style>
+      </p:cxnSp>
+      <p:sp>
+        <p:nvSpPr>
+          <p:cNvPr id="21" name="직사각형 20">
+            <a:extLst>
+              <a:ext uri="{FF2B5EF4-FFF2-40B4-BE49-F238E27FC236}">
+                <a16:creationId xmlns:a16="http://schemas.microsoft.com/office/drawing/2014/main" id="{D959C848-8F3D-9D55-F11C-C47FA77533C3}"/>
+              </a:ext>
+            </a:extLst>
+          </p:cNvPr>
+          <p:cNvSpPr/>
+          <p:nvPr/>
+        </p:nvSpPr>
+        <p:spPr>
+          <a:xfrm>
+            <a:off x="9801363" y="3171551"/>
+            <a:ext cx="1295999" cy="395600"/>
+          </a:xfrm>
+          <a:prstGeom prst="rect">
+            <a:avLst/>
+          </a:prstGeom>
+          <a:solidFill>
+            <a:srgbClr val="FFD87B"/>
+          </a:solidFill>
+          <a:ln>
+            <a:noFill/>
+          </a:ln>
+        </p:spPr>
+        <p:style>
+          <a:lnRef idx="2">
+            <a:schemeClr val="accent1">
+              <a:shade val="15000"/>
+            </a:schemeClr>
+          </a:lnRef>
+          <a:fillRef idx="1">
+            <a:schemeClr val="accent1"/>
+          </a:fillRef>
+          <a:effectRef idx="0">
+            <a:schemeClr val="accent1"/>
+          </a:effectRef>
+          <a:fontRef idx="minor">
+            <a:schemeClr val="lt1"/>
+          </a:fontRef>
+        </p:style>
+        <p:txBody>
+          <a:bodyPr rtlCol="0" anchor="ctr"/>
+          <a:lstStyle/>
+          <a:p>
+            <a:pPr algn="ctr"/>
+            <a:endParaRPr lang="ko-KR" altLang="en-US" dirty="0"/>
+          </a:p>
+        </p:txBody>
+      </p:sp>
+      <p:sp>
+        <p:nvSpPr>
+          <p:cNvPr id="22" name="TextBox 21">
+            <a:extLst>
+              <a:ext uri="{FF2B5EF4-FFF2-40B4-BE49-F238E27FC236}">
+                <a16:creationId xmlns:a16="http://schemas.microsoft.com/office/drawing/2014/main" id="{C2787A64-1BF8-8C42-DB04-D5B5B554F941}"/>
+              </a:ext>
+            </a:extLst>
+          </p:cNvPr>
+          <p:cNvSpPr txBox="1"/>
+          <p:nvPr/>
+        </p:nvSpPr>
+        <p:spPr>
+          <a:xfrm>
+            <a:off x="9962756" y="3189618"/>
+            <a:ext cx="973212" cy="369332"/>
+          </a:xfrm>
+          <a:prstGeom prst="rect">
+            <a:avLst/>
+          </a:prstGeom>
+          <a:noFill/>
+        </p:spPr>
+        <p:txBody>
+          <a:bodyPr wrap="square" rtlCol="0">
+            <a:spAutoFit/>
+          </a:bodyPr>
+          <a:lstStyle/>
+          <a:p>
+            <a:pPr algn="ctr"/>
+            <a:r>
+              <a:rPr lang="ko-KR" altLang="en-US" dirty="0">
+                <a:latin typeface="G마켓 산스 Medium" panose="02000000000000000000" pitchFamily="50" charset="-127"/>
+                <a:ea typeface="G마켓 산스 Medium" panose="02000000000000000000" pitchFamily="50" charset="-127"/>
+              </a:rPr>
+              <a:t>개인</a:t>
+            </a:r>
+          </a:p>
+        </p:txBody>
+      </p:sp>
+      <p:pic>
+        <p:nvPicPr>
+          <p:cNvPr id="23" name="Object 35">
+            <a:extLst>
+              <a:ext uri="{FF2B5EF4-FFF2-40B4-BE49-F238E27FC236}">
+                <a16:creationId xmlns:a16="http://schemas.microsoft.com/office/drawing/2014/main" id="{FEA778AF-8C48-2B70-6D5B-3C239284243D}"/>
+              </a:ext>
+            </a:extLst>
+          </p:cNvPr>
+          <p:cNvPicPr>
+            <a:picLocks noChangeAspect="1"/>
+          </p:cNvPicPr>
+          <p:nvPr/>
+        </p:nvPicPr>
+        <p:blipFill>
+          <a:blip r:embed="rId4" cstate="print"/>
+          <a:stretch>
+            <a:fillRect/>
+          </a:stretch>
+        </p:blipFill>
+        <p:spPr>
+          <a:xfrm>
+            <a:off x="10237734" y="1489350"/>
+            <a:ext cx="423256" cy="1560391"/>
+          </a:xfrm>
+          <a:prstGeom prst="rect">
+            <a:avLst/>
+          </a:prstGeom>
+        </p:spPr>
+      </p:pic>
+      <p:sp>
+        <p:nvSpPr>
+          <p:cNvPr id="24" name="TextBox 23">
+            <a:extLst>
+              <a:ext uri="{FF2B5EF4-FFF2-40B4-BE49-F238E27FC236}">
+                <a16:creationId xmlns:a16="http://schemas.microsoft.com/office/drawing/2014/main" id="{D2F28369-56E6-101D-B51D-D15354541269}"/>
+              </a:ext>
+            </a:extLst>
+          </p:cNvPr>
+          <p:cNvSpPr txBox="1"/>
+          <p:nvPr/>
+        </p:nvSpPr>
+        <p:spPr>
+          <a:xfrm>
+            <a:off x="6831600" y="2953457"/>
+            <a:ext cx="3106112" cy="307777"/>
+          </a:xfrm>
+          <a:prstGeom prst="rect">
+            <a:avLst/>
+          </a:prstGeom>
+          <a:noFill/>
+        </p:spPr>
+        <p:txBody>
+          <a:bodyPr wrap="square" rtlCol="0">
+            <a:spAutoFit/>
+          </a:bodyPr>
+          <a:lstStyle/>
+          <a:p>
+            <a:pPr algn="ctr"/>
+            <a:r>
+              <a:rPr lang="en-US" altLang="ko-KR" sz="1400" dirty="0">
+                <a:solidFill>
+                  <a:srgbClr val="FFD87B"/>
+                </a:solidFill>
+                <a:latin typeface="G마켓 산스 Light" panose="02000000000000000000" pitchFamily="50" charset="-127"/>
+                <a:ea typeface="G마켓 산스 Light" panose="02000000000000000000" pitchFamily="50" charset="-127"/>
+              </a:rPr>
+              <a:t>VR </a:t>
+            </a:r>
+            <a:r>
+              <a:rPr lang="ko-KR" altLang="en-US" sz="1400" dirty="0">
+                <a:solidFill>
+                  <a:srgbClr val="FFD87B"/>
+                </a:solidFill>
+                <a:latin typeface="G마켓 산스 Light" panose="02000000000000000000" pitchFamily="50" charset="-127"/>
+                <a:ea typeface="G마켓 산스 Light" panose="02000000000000000000" pitchFamily="50" charset="-127"/>
+              </a:rPr>
+              <a:t>메타버스 구매</a:t>
+            </a:r>
+          </a:p>
+        </p:txBody>
+      </p:sp>
+      <p:sp>
+        <p:nvSpPr>
+          <p:cNvPr id="25" name="TextBox 24">
+            <a:extLst>
+              <a:ext uri="{FF2B5EF4-FFF2-40B4-BE49-F238E27FC236}">
+                <a16:creationId xmlns:a16="http://schemas.microsoft.com/office/drawing/2014/main" id="{742AA061-B981-590C-BA2C-419118E53D24}"/>
+              </a:ext>
+            </a:extLst>
+          </p:cNvPr>
+          <p:cNvSpPr txBox="1"/>
+          <p:nvPr/>
+        </p:nvSpPr>
+        <p:spPr>
+          <a:xfrm>
+            <a:off x="6826500" y="1873680"/>
+            <a:ext cx="3106112" cy="523220"/>
+          </a:xfrm>
+          <a:prstGeom prst="rect">
+            <a:avLst/>
+          </a:prstGeom>
+          <a:noFill/>
+        </p:spPr>
+        <p:txBody>
+          <a:bodyPr wrap="square" rtlCol="0">
+            <a:spAutoFit/>
+          </a:bodyPr>
+          <a:lstStyle/>
+          <a:p>
+            <a:pPr algn="ctr"/>
+            <a:r>
+              <a:rPr lang="ko-KR" altLang="en-US" sz="1400" dirty="0">
+                <a:solidFill>
+                  <a:srgbClr val="FFD87B"/>
+                </a:solidFill>
+                <a:latin typeface="G마켓 산스 Light" panose="02000000000000000000" pitchFamily="50" charset="-127"/>
+                <a:ea typeface="G마켓 산스 Light" panose="02000000000000000000" pitchFamily="50" charset="-127"/>
+              </a:rPr>
+              <a:t>재난 </a:t>
+            </a:r>
+            <a:r>
+              <a:rPr lang="en-US" altLang="ko-KR" sz="1400" dirty="0">
+                <a:solidFill>
+                  <a:srgbClr val="FFD87B"/>
+                </a:solidFill>
+                <a:latin typeface="G마켓 산스 Light" panose="02000000000000000000" pitchFamily="50" charset="-127"/>
+                <a:ea typeface="G마켓 산스 Light" panose="02000000000000000000" pitchFamily="50" charset="-127"/>
+              </a:rPr>
+              <a:t>/ </a:t>
+            </a:r>
+            <a:r>
+              <a:rPr lang="ko-KR" altLang="en-US" sz="1400" dirty="0">
+                <a:solidFill>
+                  <a:srgbClr val="FFD87B"/>
+                </a:solidFill>
+                <a:latin typeface="G마켓 산스 Light" panose="02000000000000000000" pitchFamily="50" charset="-127"/>
+                <a:ea typeface="G마켓 산스 Light" panose="02000000000000000000" pitchFamily="50" charset="-127"/>
+              </a:rPr>
+              <a:t>위급 상황 </a:t>
+            </a:r>
+            <a:endParaRPr lang="en-US" altLang="ko-KR" sz="1400" dirty="0">
+              <a:solidFill>
+                <a:srgbClr val="FFD87B"/>
+              </a:solidFill>
+              <a:latin typeface="G마켓 산스 Light" panose="02000000000000000000" pitchFamily="50" charset="-127"/>
+              <a:ea typeface="G마켓 산스 Light" panose="02000000000000000000" pitchFamily="50" charset="-127"/>
+            </a:endParaRPr>
+          </a:p>
+          <a:p>
+            <a:pPr algn="ctr"/>
+            <a:r>
+              <a:rPr lang="en-US" altLang="ko-KR" sz="1400" dirty="0">
+                <a:solidFill>
+                  <a:srgbClr val="FFD87B"/>
+                </a:solidFill>
+                <a:latin typeface="G마켓 산스 Light" panose="02000000000000000000" pitchFamily="50" charset="-127"/>
+                <a:ea typeface="G마켓 산스 Light" panose="02000000000000000000" pitchFamily="50" charset="-127"/>
+              </a:rPr>
+              <a:t>VR </a:t>
+            </a:r>
+            <a:r>
+              <a:rPr lang="ko-KR" altLang="en-US" sz="1400" dirty="0">
+                <a:solidFill>
+                  <a:srgbClr val="FFD87B"/>
+                </a:solidFill>
+                <a:latin typeface="G마켓 산스 Light" panose="02000000000000000000" pitchFamily="50" charset="-127"/>
+                <a:ea typeface="G마켓 산스 Light" panose="02000000000000000000" pitchFamily="50" charset="-127"/>
+              </a:rPr>
+              <a:t>메타버스 제공</a:t>
+            </a:r>
+            <a:endParaRPr lang="en-US" altLang="ko-KR" sz="1400" dirty="0">
+              <a:solidFill>
+                <a:srgbClr val="FFD87B"/>
+              </a:solidFill>
+              <a:latin typeface="G마켓 산스 Light" panose="02000000000000000000" pitchFamily="50" charset="-127"/>
+              <a:ea typeface="G마켓 산스 Light" panose="02000000000000000000" pitchFamily="50" charset="-127"/>
             </a:endParaRPr>
           </a:p>
         </p:txBody>
@@ -21051,1525 +21166,6 @@
 </file>
 
 <file path=ppt/slides/slide20.xml><?xml version="1.0" encoding="utf-8"?>
-<p:sld xmlns:a="http://schemas.openxmlformats.org/drawingml/2006/main" xmlns:r="http://schemas.openxmlformats.org/officeDocument/2006/relationships" xmlns:p="http://schemas.openxmlformats.org/presentationml/2006/main">
-  <p:cSld>
-    <p:spTree>
-      <p:nvGrpSpPr>
-        <p:cNvPr id="1" name=""/>
-        <p:cNvGrpSpPr/>
-        <p:nvPr/>
-      </p:nvGrpSpPr>
-      <p:grpSpPr>
-        <a:xfrm>
-          <a:off x="0" y="0"/>
-          <a:ext cx="0" cy="0"/>
-          <a:chOff x="0" y="0"/>
-          <a:chExt cx="0" cy="0"/>
-        </a:xfrm>
-      </p:grpSpPr>
-      <p:sp>
-        <p:nvSpPr>
-          <p:cNvPr id="2" name="TextBox 1">
-            <a:extLst>
-              <a:ext uri="{FF2B5EF4-FFF2-40B4-BE49-F238E27FC236}">
-                <a16:creationId xmlns:a16="http://schemas.microsoft.com/office/drawing/2014/main" id="{0E66DC94-80BF-1324-3782-C0D23AAB5B99}"/>
-              </a:ext>
-            </a:extLst>
-          </p:cNvPr>
-          <p:cNvSpPr txBox="1"/>
-          <p:nvPr/>
-        </p:nvSpPr>
-        <p:spPr>
-          <a:xfrm>
-            <a:off x="395806" y="246897"/>
-            <a:ext cx="2524676" cy="369332"/>
-          </a:xfrm>
-          <a:prstGeom prst="rect">
-            <a:avLst/>
-          </a:prstGeom>
-          <a:noFill/>
-        </p:spPr>
-        <p:txBody>
-          <a:bodyPr wrap="square" rtlCol="0">
-            <a:spAutoFit/>
-          </a:bodyPr>
-          <a:lstStyle/>
-          <a:p>
-            <a:r>
-              <a:rPr lang="ko-KR" altLang="en-US" dirty="0">
-                <a:solidFill>
-                  <a:srgbClr val="979797"/>
-                </a:solidFill>
-                <a:latin typeface="G마켓 산스 Medium" panose="02000000000000000000" pitchFamily="50" charset="-127"/>
-                <a:ea typeface="G마켓 산스 Medium" panose="02000000000000000000" pitchFamily="50" charset="-127"/>
-              </a:rPr>
-              <a:t>마케팅 및 홍보 계획 </a:t>
-            </a:r>
-            <a:r>
-              <a:rPr lang="en-US" altLang="ko-KR" dirty="0">
-                <a:solidFill>
-                  <a:srgbClr val="979797"/>
-                </a:solidFill>
-                <a:latin typeface="G마켓 산스 Medium" panose="02000000000000000000" pitchFamily="50" charset="-127"/>
-                <a:ea typeface="G마켓 산스 Medium" panose="02000000000000000000" pitchFamily="50" charset="-127"/>
-              </a:rPr>
-              <a:t>?</a:t>
-            </a:r>
-            <a:endParaRPr lang="ko-KR" altLang="en-US" dirty="0">
-              <a:solidFill>
-                <a:srgbClr val="979797"/>
-              </a:solidFill>
-              <a:latin typeface="G마켓 산스 Medium" panose="02000000000000000000" pitchFamily="50" charset="-127"/>
-              <a:ea typeface="G마켓 산스 Medium" panose="02000000000000000000" pitchFamily="50" charset="-127"/>
-            </a:endParaRPr>
-          </a:p>
-        </p:txBody>
-      </p:sp>
-      <p:cxnSp>
-        <p:nvCxnSpPr>
-          <p:cNvPr id="3" name="직선 연결선 2">
-            <a:extLst>
-              <a:ext uri="{FF2B5EF4-FFF2-40B4-BE49-F238E27FC236}">
-                <a16:creationId xmlns:a16="http://schemas.microsoft.com/office/drawing/2014/main" id="{59A29791-4C87-F074-7B6E-54BDFA9791C3}"/>
-              </a:ext>
-            </a:extLst>
-          </p:cNvPr>
-          <p:cNvCxnSpPr>
-            <a:cxnSpLocks/>
-            <a:stCxn id="2" idx="3"/>
-          </p:cNvCxnSpPr>
-          <p:nvPr/>
-        </p:nvCxnSpPr>
-        <p:spPr>
-          <a:xfrm>
-            <a:off x="2920482" y="431563"/>
-            <a:ext cx="9060024" cy="1946"/>
-          </a:xfrm>
-          <a:prstGeom prst="line">
-            <a:avLst/>
-          </a:prstGeom>
-          <a:ln w="19050">
-            <a:solidFill>
-              <a:srgbClr val="979797"/>
-            </a:solidFill>
-          </a:ln>
-        </p:spPr>
-        <p:style>
-          <a:lnRef idx="1">
-            <a:schemeClr val="accent1"/>
-          </a:lnRef>
-          <a:fillRef idx="0">
-            <a:schemeClr val="accent1"/>
-          </a:fillRef>
-          <a:effectRef idx="0">
-            <a:schemeClr val="accent1"/>
-          </a:effectRef>
-          <a:fontRef idx="minor">
-            <a:schemeClr val="tx1"/>
-          </a:fontRef>
-        </p:style>
-      </p:cxnSp>
-      <p:grpSp>
-        <p:nvGrpSpPr>
-          <p:cNvPr id="111" name="그룹 110">
-            <a:extLst>
-              <a:ext uri="{FF2B5EF4-FFF2-40B4-BE49-F238E27FC236}">
-                <a16:creationId xmlns:a16="http://schemas.microsoft.com/office/drawing/2014/main" id="{F7B4D583-ADC9-A639-15CB-EBBCAA486150}"/>
-              </a:ext>
-            </a:extLst>
-          </p:cNvPr>
-          <p:cNvGrpSpPr/>
-          <p:nvPr/>
-        </p:nvGrpSpPr>
-        <p:grpSpPr>
-          <a:xfrm>
-            <a:off x="1094637" y="1494662"/>
-            <a:ext cx="6406614" cy="5443725"/>
-            <a:chOff x="1094637" y="1414275"/>
-            <a:chExt cx="6406614" cy="5443725"/>
-          </a:xfrm>
-        </p:grpSpPr>
-        <p:grpSp>
-          <p:nvGrpSpPr>
-            <p:cNvPr id="99" name="그룹 98">
-              <a:extLst>
-                <a:ext uri="{FF2B5EF4-FFF2-40B4-BE49-F238E27FC236}">
-                  <a16:creationId xmlns:a16="http://schemas.microsoft.com/office/drawing/2014/main" id="{CC6EAE41-8D2E-FB48-D9E7-69F79A6931DE}"/>
-                </a:ext>
-              </a:extLst>
-            </p:cNvPr>
-            <p:cNvGrpSpPr/>
-            <p:nvPr/>
-          </p:nvGrpSpPr>
-          <p:grpSpPr>
-            <a:xfrm rot="16200000">
-              <a:off x="5679523" y="3789899"/>
-              <a:ext cx="1252375" cy="369332"/>
-              <a:chOff x="6983604" y="3429000"/>
-              <a:chExt cx="1446963" cy="291402"/>
-            </a:xfrm>
-          </p:grpSpPr>
-          <p:cxnSp>
-            <p:nvCxnSpPr>
-              <p:cNvPr id="100" name="직선 화살표 연결선 99">
-                <a:extLst>
-                  <a:ext uri="{FF2B5EF4-FFF2-40B4-BE49-F238E27FC236}">
-                    <a16:creationId xmlns:a16="http://schemas.microsoft.com/office/drawing/2014/main" id="{8DB0261A-B32E-C7BE-EC68-F6F56D3EDBF6}"/>
-                  </a:ext>
-                </a:extLst>
-              </p:cNvPr>
-              <p:cNvCxnSpPr/>
-              <p:nvPr/>
-            </p:nvCxnSpPr>
-            <p:spPr>
-              <a:xfrm>
-                <a:off x="6983604" y="3429000"/>
-                <a:ext cx="1446963" cy="0"/>
-              </a:xfrm>
-              <a:prstGeom prst="straightConnector1">
-                <a:avLst/>
-              </a:prstGeom>
-              <a:ln w="28575">
-                <a:solidFill>
-                  <a:schemeClr val="tx1"/>
-                </a:solidFill>
-                <a:tailEnd type="triangle"/>
-              </a:ln>
-            </p:spPr>
-            <p:style>
-              <a:lnRef idx="1">
-                <a:schemeClr val="accent1"/>
-              </a:lnRef>
-              <a:fillRef idx="0">
-                <a:schemeClr val="accent1"/>
-              </a:fillRef>
-              <a:effectRef idx="0">
-                <a:schemeClr val="accent1"/>
-              </a:effectRef>
-              <a:fontRef idx="minor">
-                <a:schemeClr val="tx1"/>
-              </a:fontRef>
-            </p:style>
-          </p:cxnSp>
-          <p:cxnSp>
-            <p:nvCxnSpPr>
-              <p:cNvPr id="101" name="직선 화살표 연결선 100">
-                <a:extLst>
-                  <a:ext uri="{FF2B5EF4-FFF2-40B4-BE49-F238E27FC236}">
-                    <a16:creationId xmlns:a16="http://schemas.microsoft.com/office/drawing/2014/main" id="{8D1E1878-ED4C-9B45-1767-53C2CC8C23C9}"/>
-                  </a:ext>
-                </a:extLst>
-              </p:cNvPr>
-              <p:cNvCxnSpPr>
-                <a:cxnSpLocks/>
-              </p:cNvCxnSpPr>
-              <p:nvPr/>
-            </p:nvCxnSpPr>
-            <p:spPr>
-              <a:xfrm flipH="1">
-                <a:off x="6983604" y="3720402"/>
-                <a:ext cx="1446963" cy="0"/>
-              </a:xfrm>
-              <a:prstGeom prst="straightConnector1">
-                <a:avLst/>
-              </a:prstGeom>
-              <a:ln w="28575">
-                <a:solidFill>
-                  <a:schemeClr val="tx1"/>
-                </a:solidFill>
-                <a:tailEnd type="triangle"/>
-              </a:ln>
-            </p:spPr>
-            <p:style>
-              <a:lnRef idx="1">
-                <a:schemeClr val="accent1"/>
-              </a:lnRef>
-              <a:fillRef idx="0">
-                <a:schemeClr val="accent1"/>
-              </a:fillRef>
-              <a:effectRef idx="0">
-                <a:schemeClr val="accent1"/>
-              </a:effectRef>
-              <a:fontRef idx="minor">
-                <a:schemeClr val="tx1"/>
-              </a:fontRef>
-            </p:style>
-          </p:cxnSp>
-        </p:grpSp>
-        <p:grpSp>
-          <p:nvGrpSpPr>
-            <p:cNvPr id="102" name="그룹 101">
-              <a:extLst>
-                <a:ext uri="{FF2B5EF4-FFF2-40B4-BE49-F238E27FC236}">
-                  <a16:creationId xmlns:a16="http://schemas.microsoft.com/office/drawing/2014/main" id="{849EC9D7-1AB6-6BDC-1DFB-D39D8B24E68D}"/>
-                </a:ext>
-              </a:extLst>
-            </p:cNvPr>
-            <p:cNvGrpSpPr/>
-            <p:nvPr/>
-          </p:nvGrpSpPr>
-          <p:grpSpPr>
-            <a:xfrm>
-              <a:off x="5572101" y="6193601"/>
-              <a:ext cx="1599240" cy="664399"/>
-              <a:chOff x="13536489" y="1756316"/>
-              <a:chExt cx="2448272" cy="930424"/>
-            </a:xfrm>
-          </p:grpSpPr>
-          <p:sp>
-            <p:nvSpPr>
-              <p:cNvPr id="103" name="직사각형 102">
-                <a:extLst>
-                  <a:ext uri="{FF2B5EF4-FFF2-40B4-BE49-F238E27FC236}">
-                    <a16:creationId xmlns:a16="http://schemas.microsoft.com/office/drawing/2014/main" id="{E44985A1-B78F-724F-5B80-DCC0BD8D9BA5}"/>
-                  </a:ext>
-                </a:extLst>
-              </p:cNvPr>
-              <p:cNvSpPr/>
-              <p:nvPr/>
-            </p:nvSpPr>
-            <p:spPr>
-              <a:xfrm>
-                <a:off x="13536489" y="1756316"/>
-                <a:ext cx="2448272" cy="553998"/>
-              </a:xfrm>
-              <a:prstGeom prst="rect">
-                <a:avLst/>
-              </a:prstGeom>
-              <a:solidFill>
-                <a:srgbClr val="FFD87B"/>
-              </a:solidFill>
-              <a:ln>
-                <a:noFill/>
-              </a:ln>
-            </p:spPr>
-            <p:style>
-              <a:lnRef idx="2">
-                <a:schemeClr val="accent1">
-                  <a:shade val="15000"/>
-                </a:schemeClr>
-              </a:lnRef>
-              <a:fillRef idx="1">
-                <a:schemeClr val="accent1"/>
-              </a:fillRef>
-              <a:effectRef idx="0">
-                <a:schemeClr val="accent1"/>
-              </a:effectRef>
-              <a:fontRef idx="minor">
-                <a:schemeClr val="lt1"/>
-              </a:fontRef>
-            </p:style>
-            <p:txBody>
-              <a:bodyPr rtlCol="0" anchor="ctr"/>
-              <a:lstStyle/>
-              <a:p>
-                <a:pPr algn="ctr"/>
-                <a:endParaRPr lang="ko-KR" altLang="en-US" dirty="0"/>
-              </a:p>
-            </p:txBody>
-          </p:sp>
-          <p:sp>
-            <p:nvSpPr>
-              <p:cNvPr id="104" name="TextBox 103">
-                <a:extLst>
-                  <a:ext uri="{FF2B5EF4-FFF2-40B4-BE49-F238E27FC236}">
-                    <a16:creationId xmlns:a16="http://schemas.microsoft.com/office/drawing/2014/main" id="{5A699A8F-D78B-11D6-79F0-D285726D03FE}"/>
-                  </a:ext>
-                </a:extLst>
-              </p:cNvPr>
-              <p:cNvSpPr txBox="1"/>
-              <p:nvPr/>
-            </p:nvSpPr>
-            <p:spPr>
-              <a:xfrm>
-                <a:off x="13841377" y="1781618"/>
-                <a:ext cx="1838495" cy="905122"/>
-              </a:xfrm>
-              <a:prstGeom prst="rect">
-                <a:avLst/>
-              </a:prstGeom>
-              <a:noFill/>
-            </p:spPr>
-            <p:txBody>
-              <a:bodyPr wrap="square" rtlCol="0">
-                <a:spAutoFit/>
-              </a:bodyPr>
-              <a:lstStyle/>
-              <a:p>
-                <a:pPr algn="ctr"/>
-                <a:r>
-                  <a:rPr lang="ko-KR" altLang="en-US" dirty="0">
-                    <a:latin typeface="G마켓 산스 Medium" panose="02000000000000000000" pitchFamily="50" charset="-127"/>
-                    <a:ea typeface="G마켓 산스 Medium" panose="02000000000000000000" pitchFamily="50" charset="-127"/>
-                  </a:rPr>
-                  <a:t>광고 회사</a:t>
-                </a:r>
-              </a:p>
-            </p:txBody>
-          </p:sp>
-        </p:grpSp>
-        <p:grpSp>
-          <p:nvGrpSpPr>
-            <p:cNvPr id="108" name="그룹 107">
-              <a:extLst>
-                <a:ext uri="{FF2B5EF4-FFF2-40B4-BE49-F238E27FC236}">
-                  <a16:creationId xmlns:a16="http://schemas.microsoft.com/office/drawing/2014/main" id="{5D7DF060-D13A-C380-8075-1000955D218F}"/>
-                </a:ext>
-              </a:extLst>
-            </p:cNvPr>
-            <p:cNvGrpSpPr/>
-            <p:nvPr/>
-          </p:nvGrpSpPr>
-          <p:grpSpPr>
-            <a:xfrm>
-              <a:off x="1094637" y="1414275"/>
-              <a:ext cx="4589275" cy="2116005"/>
-              <a:chOff x="1094636" y="1707303"/>
-              <a:chExt cx="4589275" cy="2116005"/>
-            </a:xfrm>
-          </p:grpSpPr>
-          <p:grpSp>
-            <p:nvGrpSpPr>
-              <p:cNvPr id="79" name="그룹 78">
-                <a:extLst>
-                  <a:ext uri="{FF2B5EF4-FFF2-40B4-BE49-F238E27FC236}">
-                    <a16:creationId xmlns:a16="http://schemas.microsoft.com/office/drawing/2014/main" id="{2CB1505C-11C9-1571-0774-FF8A5F102B3A}"/>
-                  </a:ext>
-                </a:extLst>
-              </p:cNvPr>
-              <p:cNvGrpSpPr/>
-              <p:nvPr/>
-            </p:nvGrpSpPr>
-            <p:grpSpPr>
-              <a:xfrm>
-                <a:off x="2955198" y="2672061"/>
-                <a:ext cx="2351314" cy="369332"/>
-                <a:chOff x="6983604" y="3429000"/>
-                <a:chExt cx="1446963" cy="291402"/>
-              </a:xfrm>
-            </p:grpSpPr>
-            <p:cxnSp>
-              <p:nvCxnSpPr>
-                <p:cNvPr id="80" name="직선 화살표 연결선 79">
-                  <a:extLst>
-                    <a:ext uri="{FF2B5EF4-FFF2-40B4-BE49-F238E27FC236}">
-                      <a16:creationId xmlns:a16="http://schemas.microsoft.com/office/drawing/2014/main" id="{52574989-8940-1934-8CD7-2BD2FBCF4DC5}"/>
-                    </a:ext>
-                  </a:extLst>
-                </p:cNvPr>
-                <p:cNvCxnSpPr>
-                  <a:cxnSpLocks/>
-                </p:cNvCxnSpPr>
-                <p:nvPr/>
-              </p:nvCxnSpPr>
-              <p:spPr>
-                <a:xfrm flipH="1">
-                  <a:off x="6983604" y="3429000"/>
-                  <a:ext cx="1446963" cy="0"/>
-                </a:xfrm>
-                <a:prstGeom prst="straightConnector1">
-                  <a:avLst/>
-                </a:prstGeom>
-                <a:ln w="28575">
-                  <a:solidFill>
-                    <a:schemeClr val="tx1"/>
-                  </a:solidFill>
-                  <a:tailEnd type="triangle"/>
-                </a:ln>
-              </p:spPr>
-              <p:style>
-                <a:lnRef idx="1">
-                  <a:schemeClr val="accent1"/>
-                </a:lnRef>
-                <a:fillRef idx="0">
-                  <a:schemeClr val="accent1"/>
-                </a:fillRef>
-                <a:effectRef idx="0">
-                  <a:schemeClr val="accent1"/>
-                </a:effectRef>
-                <a:fontRef idx="minor">
-                  <a:schemeClr val="tx1"/>
-                </a:fontRef>
-              </p:style>
-            </p:cxnSp>
-            <p:cxnSp>
-              <p:nvCxnSpPr>
-                <p:cNvPr id="81" name="직선 화살표 연결선 80">
-                  <a:extLst>
-                    <a:ext uri="{FF2B5EF4-FFF2-40B4-BE49-F238E27FC236}">
-                      <a16:creationId xmlns:a16="http://schemas.microsoft.com/office/drawing/2014/main" id="{6DC74EB1-6CB6-D2A2-A266-EA6641788AC8}"/>
-                    </a:ext>
-                  </a:extLst>
-                </p:cNvPr>
-                <p:cNvCxnSpPr>
-                  <a:cxnSpLocks/>
-                </p:cNvCxnSpPr>
-                <p:nvPr/>
-              </p:nvCxnSpPr>
-              <p:spPr>
-                <a:xfrm>
-                  <a:off x="6983604" y="3720402"/>
-                  <a:ext cx="1446963" cy="0"/>
-                </a:xfrm>
-                <a:prstGeom prst="straightConnector1">
-                  <a:avLst/>
-                </a:prstGeom>
-                <a:ln w="28575">
-                  <a:solidFill>
-                    <a:schemeClr val="tx1"/>
-                  </a:solidFill>
-                  <a:tailEnd type="triangle"/>
-                </a:ln>
-              </p:spPr>
-              <p:style>
-                <a:lnRef idx="1">
-                  <a:schemeClr val="accent1"/>
-                </a:lnRef>
-                <a:fillRef idx="0">
-                  <a:schemeClr val="accent1"/>
-                </a:fillRef>
-                <a:effectRef idx="0">
-                  <a:schemeClr val="accent1"/>
-                </a:effectRef>
-                <a:fontRef idx="minor">
-                  <a:schemeClr val="tx1"/>
-                </a:fontRef>
-              </p:style>
-            </p:cxnSp>
-          </p:grpSp>
-          <p:grpSp>
-            <p:nvGrpSpPr>
-              <p:cNvPr id="86" name="그룹 85">
-                <a:extLst>
-                  <a:ext uri="{FF2B5EF4-FFF2-40B4-BE49-F238E27FC236}">
-                    <a16:creationId xmlns:a16="http://schemas.microsoft.com/office/drawing/2014/main" id="{862888EE-3223-BE41-215F-0E53586192C2}"/>
-                  </a:ext>
-                </a:extLst>
-              </p:cNvPr>
-              <p:cNvGrpSpPr/>
-              <p:nvPr/>
-            </p:nvGrpSpPr>
-            <p:grpSpPr>
-              <a:xfrm>
-                <a:off x="1256756" y="3427708"/>
-                <a:ext cx="1295999" cy="395600"/>
-                <a:chOff x="13536489" y="1756317"/>
-                <a:chExt cx="2448272" cy="553998"/>
-              </a:xfrm>
-            </p:grpSpPr>
-            <p:sp>
-              <p:nvSpPr>
-                <p:cNvPr id="87" name="직사각형 86">
-                  <a:extLst>
-                    <a:ext uri="{FF2B5EF4-FFF2-40B4-BE49-F238E27FC236}">
-                      <a16:creationId xmlns:a16="http://schemas.microsoft.com/office/drawing/2014/main" id="{D64E0786-261A-28AE-F05F-3D18DF039908}"/>
-                    </a:ext>
-                  </a:extLst>
-                </p:cNvPr>
-                <p:cNvSpPr/>
-                <p:nvPr/>
-              </p:nvSpPr>
-              <p:spPr>
-                <a:xfrm>
-                  <a:off x="13536489" y="1756317"/>
-                  <a:ext cx="2448272" cy="553998"/>
-                </a:xfrm>
-                <a:prstGeom prst="rect">
-                  <a:avLst/>
-                </a:prstGeom>
-                <a:solidFill>
-                  <a:srgbClr val="FFD87B"/>
-                </a:solidFill>
-                <a:ln>
-                  <a:noFill/>
-                </a:ln>
-              </p:spPr>
-              <p:style>
-                <a:lnRef idx="2">
-                  <a:schemeClr val="accent1">
-                    <a:shade val="15000"/>
-                  </a:schemeClr>
-                </a:lnRef>
-                <a:fillRef idx="1">
-                  <a:schemeClr val="accent1"/>
-                </a:fillRef>
-                <a:effectRef idx="0">
-                  <a:schemeClr val="accent1"/>
-                </a:effectRef>
-                <a:fontRef idx="minor">
-                  <a:schemeClr val="lt1"/>
-                </a:fontRef>
-              </p:style>
-              <p:txBody>
-                <a:bodyPr rtlCol="0" anchor="ctr"/>
-                <a:lstStyle/>
-                <a:p>
-                  <a:pPr algn="ctr"/>
-                  <a:endParaRPr lang="ko-KR" altLang="en-US" dirty="0"/>
-                </a:p>
-              </p:txBody>
-            </p:sp>
-            <p:sp>
-              <p:nvSpPr>
-                <p:cNvPr id="88" name="TextBox 87">
-                  <a:extLst>
-                    <a:ext uri="{FF2B5EF4-FFF2-40B4-BE49-F238E27FC236}">
-                      <a16:creationId xmlns:a16="http://schemas.microsoft.com/office/drawing/2014/main" id="{BEF8E05B-10A1-836D-E157-52F5CFF10E5C}"/>
-                    </a:ext>
-                  </a:extLst>
-                </p:cNvPr>
-                <p:cNvSpPr txBox="1"/>
-                <p:nvPr/>
-              </p:nvSpPr>
-              <p:spPr>
-                <a:xfrm>
-                  <a:off x="13841377" y="1781618"/>
-                  <a:ext cx="1838495" cy="517212"/>
-                </a:xfrm>
-                <a:prstGeom prst="rect">
-                  <a:avLst/>
-                </a:prstGeom>
-                <a:noFill/>
-              </p:spPr>
-              <p:txBody>
-                <a:bodyPr wrap="square" rtlCol="0">
-                  <a:spAutoFit/>
-                </a:bodyPr>
-                <a:lstStyle/>
-                <a:p>
-                  <a:pPr algn="ctr"/>
-                  <a:r>
-                    <a:rPr lang="ko-KR" altLang="en-US" dirty="0">
-                      <a:latin typeface="G마켓 산스 Medium" panose="02000000000000000000" pitchFamily="50" charset="-127"/>
-                      <a:ea typeface="G마켓 산스 Medium" panose="02000000000000000000" pitchFamily="50" charset="-127"/>
-                    </a:rPr>
-                    <a:t>단체</a:t>
-                  </a:r>
-                </a:p>
-              </p:txBody>
-            </p:sp>
-          </p:grpSp>
-          <p:pic>
-            <p:nvPicPr>
-              <p:cNvPr id="89" name="Object 32">
-                <a:extLst>
-                  <a:ext uri="{FF2B5EF4-FFF2-40B4-BE49-F238E27FC236}">
-                    <a16:creationId xmlns:a16="http://schemas.microsoft.com/office/drawing/2014/main" id="{78D855AF-61A2-3D08-EBDA-6468D933B86F}"/>
-                  </a:ext>
-                </a:extLst>
-              </p:cNvPr>
-              <p:cNvPicPr>
-                <a:picLocks noChangeAspect="1"/>
-              </p:cNvPicPr>
-              <p:nvPr/>
-            </p:nvPicPr>
-            <p:blipFill>
-              <a:blip r:embed="rId2" cstate="print"/>
-              <a:stretch>
-                <a:fillRect/>
-              </a:stretch>
-            </p:blipFill>
-            <p:spPr>
-              <a:xfrm>
-                <a:off x="1094636" y="1707303"/>
-                <a:ext cx="1620240" cy="1587835"/>
-              </a:xfrm>
-              <a:prstGeom prst="rect">
-                <a:avLst/>
-              </a:prstGeom>
-            </p:spPr>
-          </p:pic>
-          <p:sp>
-            <p:nvSpPr>
-              <p:cNvPr id="95" name="TextBox 94">
-                <a:extLst>
-                  <a:ext uri="{FF2B5EF4-FFF2-40B4-BE49-F238E27FC236}">
-                    <a16:creationId xmlns:a16="http://schemas.microsoft.com/office/drawing/2014/main" id="{702DFB7D-1623-0EE5-7958-1B4DFE0539C6}"/>
-                  </a:ext>
-                </a:extLst>
-              </p:cNvPr>
-              <p:cNvSpPr txBox="1"/>
-              <p:nvPr/>
-            </p:nvSpPr>
-            <p:spPr>
-              <a:xfrm>
-                <a:off x="2577799" y="2086321"/>
-                <a:ext cx="3106112" cy="523220"/>
-              </a:xfrm>
-              <a:prstGeom prst="rect">
-                <a:avLst/>
-              </a:prstGeom>
-              <a:noFill/>
-            </p:spPr>
-            <p:txBody>
-              <a:bodyPr wrap="square" rtlCol="0">
-                <a:spAutoFit/>
-              </a:bodyPr>
-              <a:lstStyle/>
-              <a:p>
-                <a:pPr algn="ctr"/>
-                <a:r>
-                  <a:rPr lang="ko-KR" altLang="en-US" sz="1400" dirty="0">
-                    <a:latin typeface="G마켓 산스 Light" panose="02000000000000000000" pitchFamily="50" charset="-127"/>
-                    <a:ea typeface="G마켓 산스 Light" panose="02000000000000000000" pitchFamily="50" charset="-127"/>
-                  </a:rPr>
-                  <a:t>재난 </a:t>
-                </a:r>
-                <a:r>
-                  <a:rPr lang="en-US" altLang="ko-KR" sz="1400" dirty="0">
-                    <a:latin typeface="G마켓 산스 Light" panose="02000000000000000000" pitchFamily="50" charset="-127"/>
-                    <a:ea typeface="G마켓 산스 Light" panose="02000000000000000000" pitchFamily="50" charset="-127"/>
-                  </a:rPr>
-                  <a:t>/ </a:t>
-                </a:r>
-                <a:r>
-                  <a:rPr lang="ko-KR" altLang="en-US" sz="1400" dirty="0">
-                    <a:latin typeface="G마켓 산스 Light" panose="02000000000000000000" pitchFamily="50" charset="-127"/>
-                    <a:ea typeface="G마켓 산스 Light" panose="02000000000000000000" pitchFamily="50" charset="-127"/>
-                  </a:rPr>
-                  <a:t>위급 상황 </a:t>
-                </a:r>
-                <a:endParaRPr lang="en-US" altLang="ko-KR" sz="1400" dirty="0">
-                  <a:latin typeface="G마켓 산스 Light" panose="02000000000000000000" pitchFamily="50" charset="-127"/>
-                  <a:ea typeface="G마켓 산스 Light" panose="02000000000000000000" pitchFamily="50" charset="-127"/>
-                </a:endParaRPr>
-              </a:p>
-              <a:p>
-                <a:pPr algn="ctr"/>
-                <a:r>
-                  <a:rPr lang="en-US" altLang="ko-KR" sz="1400" dirty="0">
-                    <a:latin typeface="G마켓 산스 Light" panose="02000000000000000000" pitchFamily="50" charset="-127"/>
-                    <a:ea typeface="G마켓 산스 Light" panose="02000000000000000000" pitchFamily="50" charset="-127"/>
-                  </a:rPr>
-                  <a:t>VR </a:t>
-                </a:r>
-                <a:r>
-                  <a:rPr lang="ko-KR" altLang="en-US" sz="1400" dirty="0">
-                    <a:latin typeface="G마켓 산스 Light" panose="02000000000000000000" pitchFamily="50" charset="-127"/>
-                    <a:ea typeface="G마켓 산스 Light" panose="02000000000000000000" pitchFamily="50" charset="-127"/>
-                  </a:rPr>
-                  <a:t>메타버스 제공</a:t>
-                </a:r>
-              </a:p>
-            </p:txBody>
-          </p:sp>
-          <p:sp>
-            <p:nvSpPr>
-              <p:cNvPr id="96" name="TextBox 95">
-                <a:extLst>
-                  <a:ext uri="{FF2B5EF4-FFF2-40B4-BE49-F238E27FC236}">
-                    <a16:creationId xmlns:a16="http://schemas.microsoft.com/office/drawing/2014/main" id="{6458A5F6-47FA-B69C-FA92-A1F035C51556}"/>
-                  </a:ext>
-                </a:extLst>
-              </p:cNvPr>
-              <p:cNvSpPr txBox="1"/>
-              <p:nvPr/>
-            </p:nvSpPr>
-            <p:spPr>
-              <a:xfrm>
-                <a:off x="2577799" y="3166098"/>
-                <a:ext cx="3106112" cy="307777"/>
-              </a:xfrm>
-              <a:prstGeom prst="rect">
-                <a:avLst/>
-              </a:prstGeom>
-              <a:noFill/>
-            </p:spPr>
-            <p:txBody>
-              <a:bodyPr wrap="square" rtlCol="0">
-                <a:spAutoFit/>
-              </a:bodyPr>
-              <a:lstStyle/>
-              <a:p>
-                <a:pPr algn="ctr"/>
-                <a:r>
-                  <a:rPr lang="en-US" altLang="ko-KR" sz="1400" dirty="0">
-                    <a:latin typeface="G마켓 산스 Light" panose="02000000000000000000" pitchFamily="50" charset="-127"/>
-                    <a:ea typeface="G마켓 산스 Light" panose="02000000000000000000" pitchFamily="50" charset="-127"/>
-                  </a:rPr>
-                  <a:t>VR </a:t>
-                </a:r>
-                <a:r>
-                  <a:rPr lang="ko-KR" altLang="en-US" sz="1400" dirty="0">
-                    <a:latin typeface="G마켓 산스 Light" panose="02000000000000000000" pitchFamily="50" charset="-127"/>
-                    <a:ea typeface="G마켓 산스 Light" panose="02000000000000000000" pitchFamily="50" charset="-127"/>
-                  </a:rPr>
-                  <a:t>메타버스 구매</a:t>
-                </a:r>
-              </a:p>
-            </p:txBody>
-          </p:sp>
-        </p:grpSp>
-        <p:grpSp>
-          <p:nvGrpSpPr>
-            <p:cNvPr id="105" name="그룹 1014">
-              <a:extLst>
-                <a:ext uri="{FF2B5EF4-FFF2-40B4-BE49-F238E27FC236}">
-                  <a16:creationId xmlns:a16="http://schemas.microsoft.com/office/drawing/2014/main" id="{6FC10BE5-372F-EEE9-29D0-7865740E5A6A}"/>
-                </a:ext>
-              </a:extLst>
-            </p:cNvPr>
-            <p:cNvGrpSpPr/>
-            <p:nvPr/>
-          </p:nvGrpSpPr>
-          <p:grpSpPr>
-            <a:xfrm>
-              <a:off x="5572101" y="4735855"/>
-              <a:ext cx="1599239" cy="1252375"/>
-              <a:chOff x="6625924" y="2425859"/>
-              <a:chExt cx="3193910" cy="2291630"/>
-            </a:xfrm>
-          </p:grpSpPr>
-          <p:pic>
-            <p:nvPicPr>
-              <p:cNvPr id="106" name="Object 41">
-                <a:extLst>
-                  <a:ext uri="{FF2B5EF4-FFF2-40B4-BE49-F238E27FC236}">
-                    <a16:creationId xmlns:a16="http://schemas.microsoft.com/office/drawing/2014/main" id="{A5EB42EA-5DF1-DD04-4C68-EC4C4BF3A1FA}"/>
-                  </a:ext>
-                </a:extLst>
-              </p:cNvPr>
-              <p:cNvPicPr>
-                <a:picLocks noChangeAspect="1"/>
-              </p:cNvPicPr>
-              <p:nvPr/>
-            </p:nvPicPr>
-            <p:blipFill>
-              <a:blip r:embed="rId3" cstate="print"/>
-              <a:stretch>
-                <a:fillRect/>
-              </a:stretch>
-            </p:blipFill>
-            <p:spPr>
-              <a:xfrm>
-                <a:off x="6625924" y="2425859"/>
-                <a:ext cx="3193910" cy="2291630"/>
-              </a:xfrm>
-              <a:prstGeom prst="rect">
-                <a:avLst/>
-              </a:prstGeom>
-            </p:spPr>
-          </p:pic>
-        </p:grpSp>
-        <p:sp>
-          <p:nvSpPr>
-            <p:cNvPr id="109" name="TextBox 108">
-              <a:extLst>
-                <a:ext uri="{FF2B5EF4-FFF2-40B4-BE49-F238E27FC236}">
-                  <a16:creationId xmlns:a16="http://schemas.microsoft.com/office/drawing/2014/main" id="{1579E568-023F-F6D1-6D6A-BCE1B008A752}"/>
-                </a:ext>
-              </a:extLst>
-            </p:cNvPr>
-            <p:cNvSpPr txBox="1"/>
-            <p:nvPr/>
-          </p:nvSpPr>
-          <p:spPr>
-            <a:xfrm>
-              <a:off x="6566820" y="3833350"/>
-              <a:ext cx="934431" cy="307777"/>
-            </a:xfrm>
-            <a:prstGeom prst="rect">
-              <a:avLst/>
-            </a:prstGeom>
-            <a:noFill/>
-          </p:spPr>
-          <p:txBody>
-            <a:bodyPr wrap="square" rtlCol="0">
-              <a:spAutoFit/>
-            </a:bodyPr>
-            <a:lstStyle/>
-            <a:p>
-              <a:pPr algn="r"/>
-              <a:r>
-                <a:rPr lang="ko-KR" altLang="en-US" sz="1400" dirty="0">
-                  <a:latin typeface="G마켓 산스 Light" panose="02000000000000000000" pitchFamily="50" charset="-127"/>
-                  <a:ea typeface="G마켓 산스 Light" panose="02000000000000000000" pitchFamily="50" charset="-127"/>
-                </a:rPr>
-                <a:t>광고 효과</a:t>
-              </a:r>
-            </a:p>
-          </p:txBody>
-        </p:sp>
-        <p:sp>
-          <p:nvSpPr>
-            <p:cNvPr id="110" name="TextBox 109">
-              <a:extLst>
-                <a:ext uri="{FF2B5EF4-FFF2-40B4-BE49-F238E27FC236}">
-                  <a16:creationId xmlns:a16="http://schemas.microsoft.com/office/drawing/2014/main" id="{55E02342-D8CB-654E-82D7-6FCB7C59D847}"/>
-                </a:ext>
-              </a:extLst>
-            </p:cNvPr>
-            <p:cNvSpPr txBox="1"/>
-            <p:nvPr/>
-          </p:nvSpPr>
-          <p:spPr>
-            <a:xfrm>
-              <a:off x="5186613" y="3684349"/>
-              <a:ext cx="934431" cy="738664"/>
-            </a:xfrm>
-            <a:prstGeom prst="rect">
-              <a:avLst/>
-            </a:prstGeom>
-            <a:noFill/>
-          </p:spPr>
-          <p:txBody>
-            <a:bodyPr wrap="square" rtlCol="0">
-              <a:spAutoFit/>
-            </a:bodyPr>
-            <a:lstStyle/>
-            <a:p>
-              <a:pPr algn="ctr"/>
-              <a:r>
-                <a:rPr lang="ko-KR" altLang="en-US" sz="1400" dirty="0">
-                  <a:latin typeface="G마켓 산스 Light" panose="02000000000000000000" pitchFamily="50" charset="-127"/>
-                  <a:ea typeface="G마켓 산스 Light" panose="02000000000000000000" pitchFamily="50" charset="-127"/>
-                </a:rPr>
-                <a:t>플랫폼 </a:t>
-              </a:r>
-              <a:endParaRPr lang="en-US" altLang="ko-KR" sz="1400" dirty="0">
-                <a:latin typeface="G마켓 산스 Light" panose="02000000000000000000" pitchFamily="50" charset="-127"/>
-                <a:ea typeface="G마켓 산스 Light" panose="02000000000000000000" pitchFamily="50" charset="-127"/>
-              </a:endParaRPr>
-            </a:p>
-            <a:p>
-              <a:pPr algn="ctr"/>
-              <a:r>
-                <a:rPr lang="ko-KR" altLang="en-US" sz="1400" dirty="0">
-                  <a:latin typeface="G마켓 산스 Light" panose="02000000000000000000" pitchFamily="50" charset="-127"/>
-                  <a:ea typeface="G마켓 산스 Light" panose="02000000000000000000" pitchFamily="50" charset="-127"/>
-                </a:rPr>
-                <a:t>이용 </a:t>
-              </a:r>
-              <a:endParaRPr lang="en-US" altLang="ko-KR" sz="1400" dirty="0">
-                <a:latin typeface="G마켓 산스 Light" panose="02000000000000000000" pitchFamily="50" charset="-127"/>
-                <a:ea typeface="G마켓 산스 Light" panose="02000000000000000000" pitchFamily="50" charset="-127"/>
-              </a:endParaRPr>
-            </a:p>
-            <a:p>
-              <a:pPr algn="ctr"/>
-              <a:r>
-                <a:rPr lang="ko-KR" altLang="en-US" sz="1400" dirty="0">
-                  <a:latin typeface="G마켓 산스 Light" panose="02000000000000000000" pitchFamily="50" charset="-127"/>
-                  <a:ea typeface="G마켓 산스 Light" panose="02000000000000000000" pitchFamily="50" charset="-127"/>
-                </a:rPr>
-                <a:t>수수료</a:t>
-              </a:r>
-            </a:p>
-          </p:txBody>
-        </p:sp>
-      </p:grpSp>
-      <p:sp>
-        <p:nvSpPr>
-          <p:cNvPr id="4" name="직사각형 3">
-            <a:extLst>
-              <a:ext uri="{FF2B5EF4-FFF2-40B4-BE49-F238E27FC236}">
-                <a16:creationId xmlns:a16="http://schemas.microsoft.com/office/drawing/2014/main" id="{C2F6C122-1BA6-40AA-8495-A538201B0E79}"/>
-              </a:ext>
-            </a:extLst>
-          </p:cNvPr>
-          <p:cNvSpPr/>
-          <p:nvPr/>
-        </p:nvSpPr>
-        <p:spPr>
-          <a:xfrm>
-            <a:off x="0" y="0"/>
-            <a:ext cx="12192000" cy="6876288"/>
-          </a:xfrm>
-          <a:prstGeom prst="rect">
-            <a:avLst/>
-          </a:prstGeom>
-          <a:solidFill>
-            <a:srgbClr val="000000">
-              <a:alpha val="61176"/>
-            </a:srgbClr>
-          </a:solidFill>
-          <a:ln>
-            <a:noFill/>
-          </a:ln>
-        </p:spPr>
-        <p:style>
-          <a:lnRef idx="2">
-            <a:schemeClr val="accent1">
-              <a:shade val="15000"/>
-            </a:schemeClr>
-          </a:lnRef>
-          <a:fillRef idx="1">
-            <a:schemeClr val="accent1"/>
-          </a:fillRef>
-          <a:effectRef idx="0">
-            <a:schemeClr val="accent1"/>
-          </a:effectRef>
-          <a:fontRef idx="minor">
-            <a:schemeClr val="lt1"/>
-          </a:fontRef>
-        </p:style>
-        <p:txBody>
-          <a:bodyPr rtlCol="0" anchor="ctr"/>
-          <a:lstStyle/>
-          <a:p>
-            <a:pPr algn="ctr"/>
-            <a:endParaRPr lang="ko-KR" altLang="en-US" dirty="0"/>
-          </a:p>
-        </p:txBody>
-      </p:sp>
-      <p:sp>
-        <p:nvSpPr>
-          <p:cNvPr id="5" name="직사각형 4">
-            <a:extLst>
-              <a:ext uri="{FF2B5EF4-FFF2-40B4-BE49-F238E27FC236}">
-                <a16:creationId xmlns:a16="http://schemas.microsoft.com/office/drawing/2014/main" id="{E19D4967-A28D-7AD6-5B55-321820FD212F}"/>
-              </a:ext>
-            </a:extLst>
-          </p:cNvPr>
-          <p:cNvSpPr/>
-          <p:nvPr/>
-        </p:nvSpPr>
-        <p:spPr>
-          <a:xfrm>
-            <a:off x="5546835" y="2184622"/>
-            <a:ext cx="1421842" cy="918929"/>
-          </a:xfrm>
-          <a:prstGeom prst="rect">
-            <a:avLst/>
-          </a:prstGeom>
-          <a:solidFill>
-            <a:srgbClr val="FFD87B"/>
-          </a:solidFill>
-          <a:ln>
-            <a:noFill/>
-          </a:ln>
-        </p:spPr>
-        <p:style>
-          <a:lnRef idx="2">
-            <a:schemeClr val="accent1">
-              <a:shade val="15000"/>
-            </a:schemeClr>
-          </a:lnRef>
-          <a:fillRef idx="1">
-            <a:schemeClr val="accent1"/>
-          </a:fillRef>
-          <a:effectRef idx="0">
-            <a:schemeClr val="accent1"/>
-          </a:effectRef>
-          <a:fontRef idx="minor">
-            <a:schemeClr val="lt1"/>
-          </a:fontRef>
-        </p:style>
-        <p:txBody>
-          <a:bodyPr rtlCol="0" anchor="ctr"/>
-          <a:lstStyle/>
-          <a:p>
-            <a:pPr algn="ctr"/>
-            <a:r>
-              <a:rPr lang="ko-KR" altLang="en-US" sz="2000" dirty="0">
-                <a:solidFill>
-                  <a:schemeClr val="tx1"/>
-                </a:solidFill>
-                <a:latin typeface="G마켓 산스 Medium" panose="02000000000000000000" pitchFamily="50" charset="-127"/>
-                <a:ea typeface="G마켓 산스 Medium" panose="02000000000000000000" pitchFamily="50" charset="-127"/>
-              </a:rPr>
-              <a:t>위기탈출</a:t>
-            </a:r>
-            <a:endParaRPr lang="en-US" altLang="ko-KR" sz="2000" dirty="0">
-              <a:solidFill>
-                <a:schemeClr val="tx1"/>
-              </a:solidFill>
-              <a:latin typeface="G마켓 산스 Medium" panose="02000000000000000000" pitchFamily="50" charset="-127"/>
-              <a:ea typeface="G마켓 산스 Medium" panose="02000000000000000000" pitchFamily="50" charset="-127"/>
-            </a:endParaRPr>
-          </a:p>
-          <a:p>
-            <a:pPr algn="ctr"/>
-            <a:r>
-              <a:rPr lang="ko-KR" altLang="en-US" sz="2000" dirty="0">
-                <a:solidFill>
-                  <a:schemeClr val="tx1"/>
-                </a:solidFill>
-                <a:latin typeface="G마켓 산스 Medium" panose="02000000000000000000" pitchFamily="50" charset="-127"/>
-                <a:ea typeface="G마켓 산스 Medium" panose="02000000000000000000" pitchFamily="50" charset="-127"/>
-              </a:rPr>
-              <a:t>넘버 </a:t>
-            </a:r>
-            <a:r>
-              <a:rPr lang="en-US" altLang="ko-KR" sz="2000" dirty="0">
-                <a:solidFill>
-                  <a:schemeClr val="tx1"/>
-                </a:solidFill>
-                <a:latin typeface="G마켓 산스 Medium" panose="02000000000000000000" pitchFamily="50" charset="-127"/>
-                <a:ea typeface="G마켓 산스 Medium" panose="02000000000000000000" pitchFamily="50" charset="-127"/>
-              </a:rPr>
-              <a:t>M</a:t>
-            </a:r>
-            <a:endParaRPr lang="ko-KR" altLang="en-US" sz="2000" dirty="0">
-              <a:solidFill>
-                <a:schemeClr val="tx1"/>
-              </a:solidFill>
-              <a:latin typeface="G마켓 산스 Medium" panose="02000000000000000000" pitchFamily="50" charset="-127"/>
-              <a:ea typeface="G마켓 산스 Medium" panose="02000000000000000000" pitchFamily="50" charset="-127"/>
-            </a:endParaRPr>
-          </a:p>
-        </p:txBody>
-      </p:sp>
-      <p:cxnSp>
-        <p:nvCxnSpPr>
-          <p:cNvPr id="6" name="직선 화살표 연결선 5">
-            <a:extLst>
-              <a:ext uri="{FF2B5EF4-FFF2-40B4-BE49-F238E27FC236}">
-                <a16:creationId xmlns:a16="http://schemas.microsoft.com/office/drawing/2014/main" id="{5EFD3BA3-A38F-3CD0-9078-41E332D663C7}"/>
-              </a:ext>
-            </a:extLst>
-          </p:cNvPr>
-          <p:cNvCxnSpPr/>
-          <p:nvPr/>
-        </p:nvCxnSpPr>
-        <p:spPr>
-          <a:xfrm>
-            <a:off x="7208999" y="2459420"/>
-            <a:ext cx="2351314" cy="0"/>
-          </a:xfrm>
-          <a:prstGeom prst="straightConnector1">
-            <a:avLst/>
-          </a:prstGeom>
-          <a:ln w="28575">
-            <a:solidFill>
-              <a:srgbClr val="FFD87B"/>
-            </a:solidFill>
-            <a:tailEnd type="triangle"/>
-          </a:ln>
-        </p:spPr>
-        <p:style>
-          <a:lnRef idx="1">
-            <a:schemeClr val="accent1"/>
-          </a:lnRef>
-          <a:fillRef idx="0">
-            <a:schemeClr val="accent1"/>
-          </a:fillRef>
-          <a:effectRef idx="0">
-            <a:schemeClr val="accent1"/>
-          </a:effectRef>
-          <a:fontRef idx="minor">
-            <a:schemeClr val="tx1"/>
-          </a:fontRef>
-        </p:style>
-      </p:cxnSp>
-      <p:cxnSp>
-        <p:nvCxnSpPr>
-          <p:cNvPr id="7" name="직선 화살표 연결선 6">
-            <a:extLst>
-              <a:ext uri="{FF2B5EF4-FFF2-40B4-BE49-F238E27FC236}">
-                <a16:creationId xmlns:a16="http://schemas.microsoft.com/office/drawing/2014/main" id="{A187AB5B-AFCC-1DBB-1A9A-6D2E59182305}"/>
-              </a:ext>
-            </a:extLst>
-          </p:cNvPr>
-          <p:cNvCxnSpPr>
-            <a:cxnSpLocks/>
-          </p:cNvCxnSpPr>
-          <p:nvPr/>
-        </p:nvCxnSpPr>
-        <p:spPr>
-          <a:xfrm flipH="1">
-            <a:off x="7208999" y="2828752"/>
-            <a:ext cx="2351314" cy="0"/>
-          </a:xfrm>
-          <a:prstGeom prst="straightConnector1">
-            <a:avLst/>
-          </a:prstGeom>
-          <a:ln w="28575">
-            <a:solidFill>
-              <a:srgbClr val="FFD87B"/>
-            </a:solidFill>
-            <a:tailEnd type="triangle"/>
-          </a:ln>
-        </p:spPr>
-        <p:style>
-          <a:lnRef idx="1">
-            <a:schemeClr val="accent1"/>
-          </a:lnRef>
-          <a:fillRef idx="0">
-            <a:schemeClr val="accent1"/>
-          </a:fillRef>
-          <a:effectRef idx="0">
-            <a:schemeClr val="accent1"/>
-          </a:effectRef>
-          <a:fontRef idx="minor">
-            <a:schemeClr val="tx1"/>
-          </a:fontRef>
-        </p:style>
-      </p:cxnSp>
-      <p:sp>
-        <p:nvSpPr>
-          <p:cNvPr id="8" name="직사각형 7">
-            <a:extLst>
-              <a:ext uri="{FF2B5EF4-FFF2-40B4-BE49-F238E27FC236}">
-                <a16:creationId xmlns:a16="http://schemas.microsoft.com/office/drawing/2014/main" id="{CCB54609-92A6-990C-56A0-3D2F0A7BA892}"/>
-              </a:ext>
-            </a:extLst>
-          </p:cNvPr>
-          <p:cNvSpPr/>
-          <p:nvPr/>
-        </p:nvSpPr>
-        <p:spPr>
-          <a:xfrm>
-            <a:off x="9801363" y="3171551"/>
-            <a:ext cx="1295999" cy="395600"/>
-          </a:xfrm>
-          <a:prstGeom prst="rect">
-            <a:avLst/>
-          </a:prstGeom>
-          <a:solidFill>
-            <a:srgbClr val="FFD87B"/>
-          </a:solidFill>
-          <a:ln>
-            <a:noFill/>
-          </a:ln>
-        </p:spPr>
-        <p:style>
-          <a:lnRef idx="2">
-            <a:schemeClr val="accent1">
-              <a:shade val="15000"/>
-            </a:schemeClr>
-          </a:lnRef>
-          <a:fillRef idx="1">
-            <a:schemeClr val="accent1"/>
-          </a:fillRef>
-          <a:effectRef idx="0">
-            <a:schemeClr val="accent1"/>
-          </a:effectRef>
-          <a:fontRef idx="minor">
-            <a:schemeClr val="lt1"/>
-          </a:fontRef>
-        </p:style>
-        <p:txBody>
-          <a:bodyPr rtlCol="0" anchor="ctr"/>
-          <a:lstStyle/>
-          <a:p>
-            <a:pPr algn="ctr"/>
-            <a:endParaRPr lang="ko-KR" altLang="en-US" dirty="0"/>
-          </a:p>
-        </p:txBody>
-      </p:sp>
-      <p:sp>
-        <p:nvSpPr>
-          <p:cNvPr id="9" name="TextBox 8">
-            <a:extLst>
-              <a:ext uri="{FF2B5EF4-FFF2-40B4-BE49-F238E27FC236}">
-                <a16:creationId xmlns:a16="http://schemas.microsoft.com/office/drawing/2014/main" id="{399CB7AB-BF72-155E-127F-1E7D432A3DC5}"/>
-              </a:ext>
-            </a:extLst>
-          </p:cNvPr>
-          <p:cNvSpPr txBox="1"/>
-          <p:nvPr/>
-        </p:nvSpPr>
-        <p:spPr>
-          <a:xfrm>
-            <a:off x="9962756" y="3189618"/>
-            <a:ext cx="973212" cy="369332"/>
-          </a:xfrm>
-          <a:prstGeom prst="rect">
-            <a:avLst/>
-          </a:prstGeom>
-          <a:noFill/>
-        </p:spPr>
-        <p:txBody>
-          <a:bodyPr wrap="square" rtlCol="0">
-            <a:spAutoFit/>
-          </a:bodyPr>
-          <a:lstStyle/>
-          <a:p>
-            <a:pPr algn="ctr"/>
-            <a:r>
-              <a:rPr lang="ko-KR" altLang="en-US" dirty="0">
-                <a:latin typeface="G마켓 산스 Medium" panose="02000000000000000000" pitchFamily="50" charset="-127"/>
-                <a:ea typeface="G마켓 산스 Medium" panose="02000000000000000000" pitchFamily="50" charset="-127"/>
-              </a:rPr>
-              <a:t>개인</a:t>
-            </a:r>
-          </a:p>
-        </p:txBody>
-      </p:sp>
-      <p:pic>
-        <p:nvPicPr>
-          <p:cNvPr id="10" name="Object 35">
-            <a:extLst>
-              <a:ext uri="{FF2B5EF4-FFF2-40B4-BE49-F238E27FC236}">
-                <a16:creationId xmlns:a16="http://schemas.microsoft.com/office/drawing/2014/main" id="{618D7FFA-5EDC-25D2-BE44-499C64DCAFC3}"/>
-              </a:ext>
-            </a:extLst>
-          </p:cNvPr>
-          <p:cNvPicPr>
-            <a:picLocks noChangeAspect="1"/>
-          </p:cNvPicPr>
-          <p:nvPr/>
-        </p:nvPicPr>
-        <p:blipFill>
-          <a:blip r:embed="rId4" cstate="print"/>
-          <a:stretch>
-            <a:fillRect/>
-          </a:stretch>
-        </p:blipFill>
-        <p:spPr>
-          <a:xfrm>
-            <a:off x="10237734" y="1489350"/>
-            <a:ext cx="423256" cy="1560391"/>
-          </a:xfrm>
-          <a:prstGeom prst="rect">
-            <a:avLst/>
-          </a:prstGeom>
-        </p:spPr>
-      </p:pic>
-      <p:sp>
-        <p:nvSpPr>
-          <p:cNvPr id="11" name="TextBox 10">
-            <a:extLst>
-              <a:ext uri="{FF2B5EF4-FFF2-40B4-BE49-F238E27FC236}">
-                <a16:creationId xmlns:a16="http://schemas.microsoft.com/office/drawing/2014/main" id="{9E3F7B1E-63ED-AF12-1893-1FC4D2B7F5D7}"/>
-              </a:ext>
-            </a:extLst>
-          </p:cNvPr>
-          <p:cNvSpPr txBox="1"/>
-          <p:nvPr/>
-        </p:nvSpPr>
-        <p:spPr>
-          <a:xfrm>
-            <a:off x="6831600" y="2953457"/>
-            <a:ext cx="3106112" cy="307777"/>
-          </a:xfrm>
-          <a:prstGeom prst="rect">
-            <a:avLst/>
-          </a:prstGeom>
-          <a:noFill/>
-        </p:spPr>
-        <p:txBody>
-          <a:bodyPr wrap="square" rtlCol="0">
-            <a:spAutoFit/>
-          </a:bodyPr>
-          <a:lstStyle/>
-          <a:p>
-            <a:pPr algn="ctr"/>
-            <a:r>
-              <a:rPr lang="en-US" altLang="ko-KR" sz="1400" dirty="0">
-                <a:solidFill>
-                  <a:srgbClr val="FFD87B"/>
-                </a:solidFill>
-                <a:latin typeface="G마켓 산스 Light" panose="02000000000000000000" pitchFamily="50" charset="-127"/>
-                <a:ea typeface="G마켓 산스 Light" panose="02000000000000000000" pitchFamily="50" charset="-127"/>
-              </a:rPr>
-              <a:t>VR </a:t>
-            </a:r>
-            <a:r>
-              <a:rPr lang="ko-KR" altLang="en-US" sz="1400" dirty="0">
-                <a:solidFill>
-                  <a:srgbClr val="FFD87B"/>
-                </a:solidFill>
-                <a:latin typeface="G마켓 산스 Light" panose="02000000000000000000" pitchFamily="50" charset="-127"/>
-                <a:ea typeface="G마켓 산스 Light" panose="02000000000000000000" pitchFamily="50" charset="-127"/>
-              </a:rPr>
-              <a:t>메타버스 구매</a:t>
-            </a:r>
-          </a:p>
-        </p:txBody>
-      </p:sp>
-      <p:sp>
-        <p:nvSpPr>
-          <p:cNvPr id="12" name="TextBox 11">
-            <a:extLst>
-              <a:ext uri="{FF2B5EF4-FFF2-40B4-BE49-F238E27FC236}">
-                <a16:creationId xmlns:a16="http://schemas.microsoft.com/office/drawing/2014/main" id="{BAEC4389-75C9-28E9-15C4-DEB7D9FEF545}"/>
-              </a:ext>
-            </a:extLst>
-          </p:cNvPr>
-          <p:cNvSpPr txBox="1"/>
-          <p:nvPr/>
-        </p:nvSpPr>
-        <p:spPr>
-          <a:xfrm>
-            <a:off x="6826500" y="1873680"/>
-            <a:ext cx="3106112" cy="523220"/>
-          </a:xfrm>
-          <a:prstGeom prst="rect">
-            <a:avLst/>
-          </a:prstGeom>
-          <a:noFill/>
-        </p:spPr>
-        <p:txBody>
-          <a:bodyPr wrap="square" rtlCol="0">
-            <a:spAutoFit/>
-          </a:bodyPr>
-          <a:lstStyle/>
-          <a:p>
-            <a:pPr algn="ctr"/>
-            <a:r>
-              <a:rPr lang="ko-KR" altLang="en-US" sz="1400" dirty="0">
-                <a:solidFill>
-                  <a:srgbClr val="FFD87B"/>
-                </a:solidFill>
-                <a:latin typeface="G마켓 산스 Light" panose="02000000000000000000" pitchFamily="50" charset="-127"/>
-                <a:ea typeface="G마켓 산스 Light" panose="02000000000000000000" pitchFamily="50" charset="-127"/>
-              </a:rPr>
-              <a:t>재난 </a:t>
-            </a:r>
-            <a:r>
-              <a:rPr lang="en-US" altLang="ko-KR" sz="1400" dirty="0">
-                <a:solidFill>
-                  <a:srgbClr val="FFD87B"/>
-                </a:solidFill>
-                <a:latin typeface="G마켓 산스 Light" panose="02000000000000000000" pitchFamily="50" charset="-127"/>
-                <a:ea typeface="G마켓 산스 Light" panose="02000000000000000000" pitchFamily="50" charset="-127"/>
-              </a:rPr>
-              <a:t>/ </a:t>
-            </a:r>
-            <a:r>
-              <a:rPr lang="ko-KR" altLang="en-US" sz="1400" dirty="0">
-                <a:solidFill>
-                  <a:srgbClr val="FFD87B"/>
-                </a:solidFill>
-                <a:latin typeface="G마켓 산스 Light" panose="02000000000000000000" pitchFamily="50" charset="-127"/>
-                <a:ea typeface="G마켓 산스 Light" panose="02000000000000000000" pitchFamily="50" charset="-127"/>
-              </a:rPr>
-              <a:t>위급 상황 </a:t>
-            </a:r>
-            <a:endParaRPr lang="en-US" altLang="ko-KR" sz="1400" dirty="0">
-              <a:solidFill>
-                <a:srgbClr val="FFD87B"/>
-              </a:solidFill>
-              <a:latin typeface="G마켓 산스 Light" panose="02000000000000000000" pitchFamily="50" charset="-127"/>
-              <a:ea typeface="G마켓 산스 Light" panose="02000000000000000000" pitchFamily="50" charset="-127"/>
-            </a:endParaRPr>
-          </a:p>
-          <a:p>
-            <a:pPr algn="ctr"/>
-            <a:r>
-              <a:rPr lang="en-US" altLang="ko-KR" sz="1400" dirty="0">
-                <a:solidFill>
-                  <a:srgbClr val="FFD87B"/>
-                </a:solidFill>
-                <a:latin typeface="G마켓 산스 Light" panose="02000000000000000000" pitchFamily="50" charset="-127"/>
-                <a:ea typeface="G마켓 산스 Light" panose="02000000000000000000" pitchFamily="50" charset="-127"/>
-              </a:rPr>
-              <a:t>VR </a:t>
-            </a:r>
-            <a:r>
-              <a:rPr lang="ko-KR" altLang="en-US" sz="1400" dirty="0">
-                <a:solidFill>
-                  <a:srgbClr val="FFD87B"/>
-                </a:solidFill>
-                <a:latin typeface="G마켓 산스 Light" panose="02000000000000000000" pitchFamily="50" charset="-127"/>
-                <a:ea typeface="G마켓 산스 Light" panose="02000000000000000000" pitchFamily="50" charset="-127"/>
-              </a:rPr>
-              <a:t>메타버스 제공</a:t>
-            </a:r>
-            <a:endParaRPr lang="en-US" altLang="ko-KR" sz="1400" dirty="0">
-              <a:solidFill>
-                <a:srgbClr val="FFD87B"/>
-              </a:solidFill>
-              <a:latin typeface="G마켓 산스 Light" panose="02000000000000000000" pitchFamily="50" charset="-127"/>
-              <a:ea typeface="G마켓 산스 Light" panose="02000000000000000000" pitchFamily="50" charset="-127"/>
-            </a:endParaRPr>
-          </a:p>
-        </p:txBody>
-      </p:sp>
-      <p:sp>
-        <p:nvSpPr>
-          <p:cNvPr id="13" name="TextBox 12">
-            <a:extLst>
-              <a:ext uri="{FF2B5EF4-FFF2-40B4-BE49-F238E27FC236}">
-                <a16:creationId xmlns:a16="http://schemas.microsoft.com/office/drawing/2014/main" id="{396F01EC-AAE6-1562-7992-8DE0A2C692BD}"/>
-              </a:ext>
-            </a:extLst>
-          </p:cNvPr>
-          <p:cNvSpPr txBox="1"/>
-          <p:nvPr/>
-        </p:nvSpPr>
-        <p:spPr>
-          <a:xfrm>
-            <a:off x="404554" y="714237"/>
-            <a:ext cx="3532964" cy="369332"/>
-          </a:xfrm>
-          <a:prstGeom prst="rect">
-            <a:avLst/>
-          </a:prstGeom>
-          <a:noFill/>
-        </p:spPr>
-        <p:txBody>
-          <a:bodyPr wrap="square" rtlCol="0">
-            <a:spAutoFit/>
-          </a:bodyPr>
-          <a:lstStyle/>
-          <a:p>
-            <a:r>
-              <a:rPr lang="en-US" altLang="ko-KR" dirty="0">
-                <a:solidFill>
-                  <a:srgbClr val="FFD87B"/>
-                </a:solidFill>
-                <a:latin typeface="G마켓 산스 Medium" panose="02000000000000000000" pitchFamily="50" charset="-127"/>
-                <a:ea typeface="G마켓 산스 Medium" panose="02000000000000000000" pitchFamily="50" charset="-127"/>
-              </a:rPr>
-              <a:t>a. </a:t>
-            </a:r>
-            <a:r>
-              <a:rPr lang="ko-KR" altLang="en-US" dirty="0">
-                <a:solidFill>
-                  <a:srgbClr val="FFD87B"/>
-                </a:solidFill>
-                <a:latin typeface="G마켓 산스 Medium" panose="02000000000000000000" pitchFamily="50" charset="-127"/>
-                <a:ea typeface="G마켓 산스 Medium" panose="02000000000000000000" pitchFamily="50" charset="-127"/>
-              </a:rPr>
-              <a:t>비즈니스 모델 </a:t>
-            </a:r>
-            <a:r>
-              <a:rPr lang="en-US" altLang="ko-KR" dirty="0">
-                <a:solidFill>
-                  <a:srgbClr val="FFD87B"/>
-                </a:solidFill>
-                <a:latin typeface="G마켓 산스 Medium" panose="02000000000000000000" pitchFamily="50" charset="-127"/>
-                <a:ea typeface="G마켓 산스 Medium" panose="02000000000000000000" pitchFamily="50" charset="-127"/>
-              </a:rPr>
-              <a:t>(</a:t>
-            </a:r>
-            <a:r>
-              <a:rPr lang="ko-KR" altLang="en-US" dirty="0">
-                <a:solidFill>
-                  <a:srgbClr val="FFD87B"/>
-                </a:solidFill>
-                <a:latin typeface="G마켓 산스 Medium" panose="02000000000000000000" pitchFamily="50" charset="-127"/>
-                <a:ea typeface="G마켓 산스 Medium" panose="02000000000000000000" pitchFamily="50" charset="-127"/>
-              </a:rPr>
-              <a:t>수익 모델</a:t>
-            </a:r>
-            <a:r>
-              <a:rPr lang="en-US" altLang="ko-KR" dirty="0">
-                <a:solidFill>
-                  <a:srgbClr val="FFD87B"/>
-                </a:solidFill>
-                <a:latin typeface="G마켓 산스 Medium" panose="02000000000000000000" pitchFamily="50" charset="-127"/>
-                <a:ea typeface="G마켓 산스 Medium" panose="02000000000000000000" pitchFamily="50" charset="-127"/>
-              </a:rPr>
-              <a:t>)</a:t>
-            </a:r>
-            <a:endParaRPr lang="ko-KR" altLang="en-US" dirty="0">
-              <a:solidFill>
-                <a:srgbClr val="FFD87B"/>
-              </a:solidFill>
-              <a:latin typeface="G마켓 산스 Medium" panose="02000000000000000000" pitchFamily="50" charset="-127"/>
-              <a:ea typeface="G마켓 산스 Medium" panose="02000000000000000000" pitchFamily="50" charset="-127"/>
-            </a:endParaRPr>
-          </a:p>
-        </p:txBody>
-      </p:sp>
-    </p:spTree>
-    <p:extLst>
-      <p:ext uri="{BB962C8B-B14F-4D97-AF65-F5344CB8AC3E}">
-        <p14:creationId xmlns:p14="http://schemas.microsoft.com/office/powerpoint/2010/main" val="1243271056"/>
-      </p:ext>
-    </p:extLst>
-  </p:cSld>
-  <p:clrMapOvr>
-    <a:masterClrMapping/>
-  </p:clrMapOvr>
-</p:sld>
-</file>
-
-<file path=ppt/slides/slide21.xml><?xml version="1.0" encoding="utf-8"?>
 <p:sld xmlns:a="http://schemas.openxmlformats.org/drawingml/2006/main" xmlns:r="http://schemas.openxmlformats.org/officeDocument/2006/relationships" xmlns:p="http://schemas.openxmlformats.org/presentationml/2006/main">
   <p:cSld>
     <p:spTree>
@@ -24037,7 +22633,7 @@
 </p:sld>
 </file>
 
-<file path=ppt/slides/slide22.xml><?xml version="1.0" encoding="utf-8"?>
+<file path=ppt/slides/slide21.xml><?xml version="1.0" encoding="utf-8"?>
 <p:sld xmlns:a="http://schemas.openxmlformats.org/drawingml/2006/main" xmlns:r="http://schemas.openxmlformats.org/officeDocument/2006/relationships" xmlns:p="http://schemas.openxmlformats.org/presentationml/2006/main">
   <p:cSld>
     <p:spTree>
@@ -26051,7 +24647,7 @@
 </p:sld>
 </file>
 
-<file path=ppt/slides/slide23.xml><?xml version="1.0" encoding="utf-8"?>
+<file path=ppt/slides/slide22.xml><?xml version="1.0" encoding="utf-8"?>
 <p:sld xmlns:a="http://schemas.openxmlformats.org/drawingml/2006/main" xmlns:r="http://schemas.openxmlformats.org/officeDocument/2006/relationships" xmlns:p="http://schemas.openxmlformats.org/presentationml/2006/main">
   <p:cSld>
     <p:bg>
